--- a/presentation.pptx
+++ b/presentation.pptx
@@ -5,16 +5,17 @@
     <p:sldMasterId id="2147484082" r:id="rId1"/>
   </p:sldMasterIdLst>
   <p:notesMasterIdLst>
-    <p:notesMasterId r:id="rId6"/>
+    <p:notesMasterId r:id="rId7"/>
   </p:notesMasterIdLst>
   <p:handoutMasterIdLst>
-    <p:handoutMasterId r:id="rId7"/>
+    <p:handoutMasterId r:id="rId8"/>
   </p:handoutMasterIdLst>
   <p:sldIdLst>
     <p:sldId id="256" r:id="rId2"/>
-    <p:sldId id="257" r:id="rId3"/>
-    <p:sldId id="261" r:id="rId4"/>
-    <p:sldId id="258" r:id="rId5"/>
+    <p:sldId id="262" r:id="rId3"/>
+    <p:sldId id="257" r:id="rId4"/>
+    <p:sldId id="261" r:id="rId5"/>
+    <p:sldId id="258" r:id="rId6"/>
   </p:sldIdLst>
   <p:sldSz cx="10080625" cy="7559675"/>
   <p:notesSz cx="7772400" cy="10058400"/>
@@ -1082,6 +1083,11 @@
         </p:txBody>
       </p:sp>
     </p:spTree>
+    <p:extLst>
+      <p:ext uri="{BB962C8B-B14F-4D97-AF65-F5344CB8AC3E}">
+        <p14:creationId xmlns:p14="http://schemas.microsoft.com/office/powerpoint/2010/main" val="3346892058"/>
+      </p:ext>
+    </p:extLst>
   </p:cSld>
   <p:clrMapOvr>
     <a:masterClrMapping/>
@@ -1211,11 +1217,6 @@
         </p:txBody>
       </p:sp>
     </p:spTree>
-    <p:extLst>
-      <p:ext uri="{BB962C8B-B14F-4D97-AF65-F5344CB8AC3E}">
-        <p14:creationId xmlns:p14="http://schemas.microsoft.com/office/powerpoint/2010/main" val="1819302259"/>
-      </p:ext>
-    </p:extLst>
   </p:cSld>
   <p:clrMapOvr>
     <a:masterClrMapping/>
@@ -1284,8 +1285,142 @@
                 <a:uFillTx/>
               </a:defRPr>
             </a:pPr>
+            <a:fld id="{73FCD25E-08CA-4A46-BC6C-D67AC2EBC0C4}" type="slidenum">
+              <a:t>4</a:t>
+            </a:fld>
+            <a:endParaRPr lang="en-US" sz="1400" b="0" i="0" u="none" strike="noStrike" kern="1200" cap="none" spc="0" baseline="0">
+              <a:solidFill>
+                <a:srgbClr val="000000"/>
+              </a:solidFill>
+              <a:uFillTx/>
+              <a:latin typeface="Liberation Serif" pitchFamily="18"/>
+              <a:ea typeface="DejaVu Sans" pitchFamily="2"/>
+              <a:cs typeface="DejaVu Sans" pitchFamily="2"/>
+            </a:endParaRPr>
+          </a:p>
+        </p:txBody>
+      </p:sp>
+      <p:sp>
+        <p:nvSpPr>
+          <p:cNvPr id="3" name="Slide Image Placeholder 1"/>
+          <p:cNvSpPr>
+            <a:spLocks noGrp="1" noRot="1" noChangeAspect="1"/>
+          </p:cNvSpPr>
+          <p:nvPr>
+            <p:ph type="sldImg"/>
+          </p:nvPr>
+        </p:nvSpPr>
+        <p:spPr>
+          <a:xfrm>
+            <a:off x="1371600" y="763588"/>
+            <a:ext cx="5029200" cy="3771900"/>
+          </a:xfrm>
+          <a:solidFill>
+            <a:srgbClr val="729FCF"/>
+          </a:solidFill>
+          <a:ln w="25402">
+            <a:solidFill>
+              <a:srgbClr val="3465A4"/>
+            </a:solidFill>
+            <a:prstDash val="solid"/>
+          </a:ln>
+        </p:spPr>
+      </p:sp>
+      <p:sp>
+        <p:nvSpPr>
+          <p:cNvPr id="4" name="Notes Placeholder 2"/>
+          <p:cNvSpPr txBox="1">
+            <a:spLocks noGrp="1"/>
+          </p:cNvSpPr>
+          <p:nvPr>
+            <p:ph type="body" sz="quarter" idx="1"/>
+          </p:nvPr>
+        </p:nvSpPr>
+        <p:spPr/>
+        <p:txBody>
+          <a:bodyPr/>
+          <a:lstStyle/>
+          <a:p>
+            <a:endParaRPr lang="nl-NL" dirty="0"/>
+          </a:p>
+        </p:txBody>
+      </p:sp>
+    </p:spTree>
+    <p:extLst>
+      <p:ext uri="{BB962C8B-B14F-4D97-AF65-F5344CB8AC3E}">
+        <p14:creationId xmlns:p14="http://schemas.microsoft.com/office/powerpoint/2010/main" val="1819302259"/>
+      </p:ext>
+    </p:extLst>
+  </p:cSld>
+  <p:clrMapOvr>
+    <a:masterClrMapping/>
+  </p:clrMapOvr>
+</p:notes>
+</file>
+
+<file path=ppt/notesSlides/notesSlide5.xml><?xml version="1.0" encoding="utf-8"?>
+<p:notes xmlns:a="http://schemas.openxmlformats.org/drawingml/2006/main" xmlns:r="http://schemas.openxmlformats.org/officeDocument/2006/relationships" xmlns:p="http://schemas.openxmlformats.org/presentationml/2006/main">
+  <p:cSld>
+    <p:spTree>
+      <p:nvGrpSpPr>
+        <p:cNvPr id="1" name=""/>
+        <p:cNvGrpSpPr/>
+        <p:nvPr/>
+      </p:nvGrpSpPr>
+      <p:grpSpPr>
+        <a:xfrm>
+          <a:off x="0" y="0"/>
+          <a:ext cx="0" cy="0"/>
+          <a:chOff x="0" y="0"/>
+          <a:chExt cx="0" cy="0"/>
+        </a:xfrm>
+      </p:grpSpPr>
+      <p:sp>
+        <p:nvSpPr>
+          <p:cNvPr id="2" name="Slide Number Placeholder 6"/>
+          <p:cNvSpPr txBox="1"/>
+          <p:nvPr/>
+        </p:nvSpPr>
+        <p:spPr>
+          <a:xfrm>
+            <a:off x="4399196" y="9555480"/>
+            <a:ext cx="3372837" cy="502563"/>
+          </a:xfrm>
+          <a:prstGeom prst="rect">
+            <a:avLst/>
+          </a:prstGeom>
+          <a:noFill/>
+          <a:ln cap="flat">
+            <a:noFill/>
+          </a:ln>
+        </p:spPr>
+        <p:txBody>
+          <a:bodyPr vert="horz" wrap="square" lIns="0" tIns="0" rIns="0" bIns="0" anchor="b" anchorCtr="0" compatLnSpc="1">
+            <a:noAutofit/>
+          </a:bodyPr>
+          <a:lstStyle/>
+          <a:p>
+            <a:pPr marL="0" marR="0" lvl="0" indent="0" algn="r" defTabSz="914400" rtl="0" fontAlgn="auto" hangingPunct="0">
+              <a:lnSpc>
+                <a:spcPct val="100000"/>
+              </a:lnSpc>
+              <a:spcBef>
+                <a:spcPts val="0"/>
+              </a:spcBef>
+              <a:spcAft>
+                <a:spcPts val="0"/>
+              </a:spcAft>
+              <a:buNone/>
+              <a:tabLst/>
+              <a:defRPr sz="1800" b="0" i="0" u="none" strike="noStrike" kern="0" cap="none" spc="0" baseline="0">
+                <a:solidFill>
+                  <a:srgbClr val="000000"/>
+                </a:solidFill>
+                <a:uFillTx/>
+              </a:defRPr>
+            </a:pPr>
             <a:fld id="{4AD1CDFB-02AD-4842-B0DD-8CFD4D1BACF8}" type="slidenum">
-              <a:t>4</a:t>
+              <a:t>5</a:t>
             </a:fld>
             <a:endParaRPr lang="en-US" sz="1400" b="0" i="0" u="none" strike="noStrike" kern="1200" cap="none" spc="0" baseline="0">
               <a:solidFill>
@@ -5201,7 +5336,7 @@
 
 <file path=ppt/slides/slide2.xml><?xml version="1.0" encoding="utf-8"?>
 <p:sld xmlns:a="http://schemas.openxmlformats.org/drawingml/2006/main" xmlns:r="http://schemas.openxmlformats.org/officeDocument/2006/relationships" xmlns:p="http://schemas.openxmlformats.org/presentationml/2006/main">
-  <p:cSld name="page2">
+  <p:cSld>
     <p:spTree>
       <p:nvGrpSpPr>
         <p:cNvPr id="1" name=""/>
@@ -5216,43 +5351,6 @@
           <a:chExt cx="0" cy="0"/>
         </a:xfrm>
       </p:grpSpPr>
-      <p:sp>
-        <p:nvSpPr>
-          <p:cNvPr id="2" name="Title 1"/>
-          <p:cNvSpPr txBox="1">
-            <a:spLocks noGrp="1"/>
-          </p:cNvSpPr>
-          <p:nvPr>
-            <p:ph type="title" idx="4294967295"/>
-          </p:nvPr>
-        </p:nvSpPr>
-        <p:spPr>
-          <a:xfrm>
-            <a:off x="293914" y="359229"/>
-            <a:ext cx="7064828" cy="945017"/>
-          </a:xfrm>
-        </p:spPr>
-        <p:txBody>
-          <a:bodyPr>
-            <a:normAutofit/>
-          </a:bodyPr>
-          <a:lstStyle/>
-          <a:p>
-            <a:pPr lvl="0"/>
-            <a:r>
-              <a:rPr lang="en-US" sz="4800" dirty="0" smtClean="0">
-                <a:latin typeface="Arial" pitchFamily="34"/>
-                <a:cs typeface="Arial" pitchFamily="34"/>
-              </a:rPr>
-              <a:t>Initial remarks</a:t>
-            </a:r>
-            <a:endParaRPr lang="en-US" sz="4800" dirty="0">
-              <a:latin typeface="Arial" pitchFamily="34"/>
-              <a:cs typeface="Arial" pitchFamily="34"/>
-            </a:endParaRPr>
-          </a:p>
-        </p:txBody>
-      </p:sp>
       <p:pic>
         <p:nvPicPr>
           <p:cNvPr id="5" name="Picture 4">
@@ -5301,8 +5399,8 @@
         </p:nvSpPr>
         <p:spPr>
           <a:xfrm>
-            <a:off x="510550" y="1458683"/>
-            <a:ext cx="9383712" cy="5170717"/>
+            <a:off x="293914" y="1936332"/>
+            <a:ext cx="8955381" cy="4796977"/>
           </a:xfrm>
           <a:prstGeom prst="rect">
             <a:avLst/>
@@ -5310,7 +5408,7 @@
         </p:spPr>
         <p:txBody>
           <a:bodyPr vert="horz" lIns="0" tIns="45720" rIns="0" bIns="45720" rtlCol="0">
-            <a:normAutofit fontScale="92500" lnSpcReduction="10000"/>
+            <a:normAutofit/>
           </a:bodyPr>
           <a:lstStyle>
             <a:lvl1pPr marL="100794" indent="-100794" algn="l" defTabSz="1007943" rtl="0" eaLnBrk="1" latinLnBrk="0" hangingPunct="1">
@@ -5559,34 +5657,32 @@
             </a:lvl9pPr>
           </a:lstStyle>
           <a:p>
-            <a:r>
-              <a:rPr lang="en-US" sz="1800" dirty="0">
-                <a:latin typeface="Arial" pitchFamily="34"/>
-                <a:cs typeface="Arial" pitchFamily="34"/>
-              </a:rPr>
-              <a:t>- Are you sure you need </a:t>
-            </a:r>
-            <a:r>
-              <a:rPr lang="en-US" sz="1800" dirty="0" err="1">
-                <a:latin typeface="Arial" pitchFamily="34"/>
-                <a:cs typeface="Arial" pitchFamily="34"/>
-              </a:rPr>
-              <a:t>postgis</a:t>
-            </a:r>
-            <a:r>
-              <a:rPr lang="en-US" sz="1800" dirty="0">
-                <a:latin typeface="Arial" pitchFamily="34"/>
-                <a:cs typeface="Arial" pitchFamily="34"/>
-              </a:rPr>
-              <a:t> raster </a:t>
-            </a:r>
-            <a:r>
-              <a:rPr lang="en-US" sz="1800" dirty="0" smtClean="0">
-                <a:latin typeface="Arial" pitchFamily="34"/>
-                <a:cs typeface="Arial" pitchFamily="34"/>
-              </a:rPr>
-              <a:t>???????</a:t>
-            </a:r>
+            <a:pPr algn="ctr"/>
+            <a:r>
+              <a:rPr lang="en-US" sz="3200" dirty="0">
+                <a:latin typeface="Arial" pitchFamily="34"/>
+                <a:cs typeface="Arial" pitchFamily="34"/>
+              </a:rPr>
+              <a:t>“I tried </a:t>
+            </a:r>
+            <a:r>
+              <a:rPr lang="en-US" sz="3200" dirty="0" err="1" smtClean="0">
+                <a:latin typeface="Arial" pitchFamily="34"/>
+                <a:cs typeface="Arial" pitchFamily="34"/>
+              </a:rPr>
+              <a:t>PostGIS</a:t>
+            </a:r>
+            <a:r>
+              <a:rPr lang="en-US" sz="3200" dirty="0" smtClean="0">
+                <a:latin typeface="Arial" pitchFamily="34"/>
+                <a:cs typeface="Arial" pitchFamily="34"/>
+              </a:rPr>
+              <a:t> but doesn’t work !!!!!!!!!”</a:t>
+            </a:r>
+            <a:endParaRPr lang="en-US" sz="3200" dirty="0">
+              <a:latin typeface="Arial" pitchFamily="34"/>
+              <a:cs typeface="Arial" pitchFamily="34"/>
+            </a:endParaRPr>
           </a:p>
           <a:p>
             <a:endParaRPr lang="en-US" sz="1800" dirty="0" smtClean="0">
@@ -5595,212 +5691,92 @@
             </a:endParaRPr>
           </a:p>
           <a:p>
-            <a:r>
-              <a:rPr lang="en-US" sz="1800" dirty="0">
-                <a:latin typeface="Arial" pitchFamily="34"/>
-                <a:cs typeface="Arial" pitchFamily="34"/>
-              </a:rPr>
-              <a:t>- “I tried but it doesn’t work</a:t>
-            </a:r>
-            <a:r>
-              <a:rPr lang="en-US" sz="1800" dirty="0" smtClean="0">
-                <a:latin typeface="Arial" pitchFamily="34"/>
-                <a:cs typeface="Arial" pitchFamily="34"/>
-              </a:rPr>
-              <a:t>!!!!!!!!!”</a:t>
-            </a:r>
-          </a:p>
-          <a:p>
+            <a:pPr algn="ctr"/>
             <a:endParaRPr lang="en-US" sz="1800" dirty="0" smtClean="0">
               <a:latin typeface="Arial" pitchFamily="34"/>
               <a:cs typeface="Arial" pitchFamily="34"/>
             </a:endParaRPr>
           </a:p>
           <a:p>
-            <a:r>
-              <a:rPr lang="en-US" sz="1800" dirty="0" smtClean="0">
-                <a:latin typeface="Arial" pitchFamily="34"/>
-                <a:cs typeface="Arial" pitchFamily="34"/>
-              </a:rPr>
-              <a:t>- Raster type is different from geometry type!</a:t>
-            </a:r>
-          </a:p>
-          <a:p>
-            <a:pPr lvl="1"/>
-            <a:r>
-              <a:rPr lang="en-US" sz="1579" dirty="0" smtClean="0">
-                <a:latin typeface="Arial" pitchFamily="34"/>
-                <a:cs typeface="Arial" pitchFamily="34"/>
-              </a:rPr>
-              <a:t>- The two types can work together.</a:t>
-            </a:r>
-          </a:p>
-          <a:p>
-            <a:pPr lvl="1"/>
-            <a:endParaRPr lang="en-US" sz="1579" dirty="0" smtClean="0">
-              <a:latin typeface="Arial" pitchFamily="34"/>
-              <a:cs typeface="Arial" pitchFamily="34"/>
-            </a:endParaRPr>
-          </a:p>
-          <a:p>
-            <a:r>
-              <a:rPr lang="en-US" sz="1800" dirty="0" smtClean="0">
-                <a:latin typeface="Arial" pitchFamily="34"/>
-                <a:cs typeface="Arial" pitchFamily="34"/>
-              </a:rPr>
-              <a:t>- Supports </a:t>
-            </a:r>
-            <a:r>
-              <a:rPr lang="en-US" sz="1800" dirty="0" err="1" smtClean="0">
-                <a:latin typeface="Arial" pitchFamily="34"/>
-                <a:cs typeface="Arial" pitchFamily="34"/>
-              </a:rPr>
-              <a:t>rasters</a:t>
-            </a:r>
-            <a:r>
-              <a:rPr lang="en-US" sz="1800" dirty="0" smtClean="0">
-                <a:latin typeface="Arial" pitchFamily="34"/>
-                <a:cs typeface="Arial" pitchFamily="34"/>
-              </a:rPr>
-              <a:t> in-database and out-of-db.</a:t>
-            </a:r>
-          </a:p>
-          <a:p>
-            <a:pPr lvl="1"/>
-            <a:r>
-              <a:rPr lang="en-US" sz="1579" dirty="0" smtClean="0">
-                <a:latin typeface="Arial" pitchFamily="34"/>
-                <a:cs typeface="Arial" pitchFamily="34"/>
-              </a:rPr>
-              <a:t>- In out-of-</a:t>
-            </a:r>
-            <a:r>
-              <a:rPr lang="en-US" sz="1579" dirty="0" err="1" smtClean="0">
-                <a:latin typeface="Arial" pitchFamily="34"/>
-                <a:cs typeface="Arial" pitchFamily="34"/>
-              </a:rPr>
-              <a:t>db</a:t>
-            </a:r>
-            <a:r>
-              <a:rPr lang="en-US" sz="1579" dirty="0" smtClean="0">
-                <a:latin typeface="Arial" pitchFamily="34"/>
-                <a:cs typeface="Arial" pitchFamily="34"/>
-              </a:rPr>
-              <a:t> mode, raster's will be accessed by </a:t>
-            </a:r>
-            <a:r>
-              <a:rPr lang="en-US" sz="1579" dirty="0" err="1" smtClean="0">
-                <a:latin typeface="Arial" pitchFamily="34"/>
-                <a:cs typeface="Arial" pitchFamily="34"/>
-              </a:rPr>
-              <a:t>postgresql</a:t>
-            </a:r>
-            <a:r>
-              <a:rPr lang="en-US" sz="1579" dirty="0" smtClean="0">
-                <a:latin typeface="Arial" pitchFamily="34"/>
-                <a:cs typeface="Arial" pitchFamily="34"/>
-              </a:rPr>
-              <a:t> in read only mode!</a:t>
-            </a:r>
-          </a:p>
-          <a:p>
+            <a:pPr algn="ctr"/>
             <a:endParaRPr lang="en-US" sz="1800" dirty="0" smtClean="0">
               <a:latin typeface="Arial" pitchFamily="34"/>
               <a:cs typeface="Arial" pitchFamily="34"/>
             </a:endParaRPr>
           </a:p>
           <a:p>
-            <a:r>
-              <a:rPr lang="en-US" sz="1800" dirty="0" smtClean="0">
-                <a:latin typeface="Arial" pitchFamily="34"/>
-                <a:cs typeface="Arial" pitchFamily="34"/>
-              </a:rPr>
-              <a:t>- raster2pgsql is the way to load an existing raster into a db.</a:t>
-            </a:r>
-          </a:p>
-          <a:p>
+            <a:pPr algn="ctr"/>
+            <a:endParaRPr lang="en-US" sz="1800" dirty="0">
+              <a:latin typeface="Arial" pitchFamily="34"/>
+              <a:cs typeface="Arial" pitchFamily="34"/>
+            </a:endParaRPr>
+          </a:p>
+          <a:p>
+            <a:pPr algn="ctr"/>
             <a:endParaRPr lang="en-US" sz="1800" dirty="0" smtClean="0">
               <a:latin typeface="Arial" pitchFamily="34"/>
               <a:cs typeface="Arial" pitchFamily="34"/>
             </a:endParaRPr>
           </a:p>
           <a:p>
-            <a:r>
-              <a:rPr lang="en-US" sz="1800" dirty="0" smtClean="0">
-                <a:latin typeface="Arial" pitchFamily="34"/>
-                <a:cs typeface="Arial" pitchFamily="34"/>
-              </a:rPr>
-              <a:t>- </a:t>
-            </a:r>
-            <a:r>
-              <a:rPr lang="en-US" sz="1800" dirty="0" err="1" smtClean="0">
-                <a:latin typeface="Arial" pitchFamily="34"/>
-                <a:cs typeface="Arial" pitchFamily="34"/>
-              </a:rPr>
-              <a:t>Gdal</a:t>
-            </a:r>
-            <a:r>
-              <a:rPr lang="en-US" sz="1800" dirty="0" smtClean="0">
-                <a:latin typeface="Arial" pitchFamily="34"/>
-                <a:cs typeface="Arial" pitchFamily="34"/>
-              </a:rPr>
-              <a:t> supports reading </a:t>
-            </a:r>
-            <a:r>
-              <a:rPr lang="en-US" sz="1800" dirty="0" err="1" smtClean="0">
-                <a:latin typeface="Arial" pitchFamily="34"/>
-                <a:cs typeface="Arial" pitchFamily="34"/>
-              </a:rPr>
-              <a:t>postgis</a:t>
-            </a:r>
-            <a:r>
-              <a:rPr lang="en-US" sz="1800" dirty="0" smtClean="0">
+            <a:pPr algn="ctr"/>
+            <a:endParaRPr lang="en-US" sz="1800" dirty="0" smtClean="0">
+              <a:latin typeface="Arial" pitchFamily="34"/>
+              <a:cs typeface="Arial" pitchFamily="34"/>
+            </a:endParaRPr>
+          </a:p>
+          <a:p>
+            <a:pPr algn="ctr"/>
+            <a:endParaRPr lang="en-US" sz="1800" dirty="0">
+              <a:latin typeface="Arial" pitchFamily="34"/>
+              <a:cs typeface="Arial" pitchFamily="34"/>
+            </a:endParaRPr>
+          </a:p>
+          <a:p>
+            <a:pPr algn="ctr"/>
+            <a:endParaRPr lang="en-US" sz="1800" dirty="0" smtClean="0">
+              <a:latin typeface="Arial" pitchFamily="34"/>
+              <a:cs typeface="Arial" pitchFamily="34"/>
+            </a:endParaRPr>
+          </a:p>
+          <a:p>
+            <a:pPr marL="0" indent="0" algn="ctr">
+              <a:buNone/>
+            </a:pPr>
+            <a:r>
+              <a:rPr lang="en-US" sz="3200" dirty="0" smtClean="0">
+                <a:latin typeface="Arial" pitchFamily="34"/>
+                <a:cs typeface="Arial" pitchFamily="34"/>
+              </a:rPr>
+              <a:t>Why do I need </a:t>
+            </a:r>
+            <a:r>
+              <a:rPr lang="en-US" sz="3200" dirty="0" err="1" smtClean="0">
+                <a:latin typeface="Arial" pitchFamily="34"/>
+                <a:cs typeface="Arial" pitchFamily="34"/>
+              </a:rPr>
+              <a:t>PostGIS</a:t>
+            </a:r>
+            <a:r>
+              <a:rPr lang="en-US" sz="3200" dirty="0" smtClean="0">
                 <a:latin typeface="Arial" pitchFamily="34"/>
                 <a:cs typeface="Arial" pitchFamily="34"/>
               </a:rPr>
               <a:t> </a:t>
             </a:r>
             <a:r>
-              <a:rPr lang="en-US" sz="1800" dirty="0" err="1" smtClean="0">
-                <a:latin typeface="Arial" pitchFamily="34"/>
-                <a:cs typeface="Arial" pitchFamily="34"/>
-              </a:rPr>
-              <a:t>rasters</a:t>
-            </a:r>
-            <a:r>
-              <a:rPr lang="en-US" sz="1800" dirty="0" smtClean="0">
-                <a:latin typeface="Arial" pitchFamily="34"/>
-                <a:cs typeface="Arial" pitchFamily="34"/>
-              </a:rPr>
-              <a:t> and therefore can be used to export and access </a:t>
-            </a:r>
-            <a:r>
-              <a:rPr lang="en-US" sz="1800" dirty="0" err="1" smtClean="0">
-                <a:latin typeface="Arial" pitchFamily="34"/>
-                <a:cs typeface="Arial" pitchFamily="34"/>
-              </a:rPr>
-              <a:t>postgis</a:t>
-            </a:r>
-            <a:r>
-              <a:rPr lang="en-US" sz="1800" dirty="0" smtClean="0">
-                <a:latin typeface="Arial" pitchFamily="34"/>
-                <a:cs typeface="Arial" pitchFamily="34"/>
-              </a:rPr>
-              <a:t> </a:t>
-            </a:r>
-            <a:r>
-              <a:rPr lang="en-US" sz="1800" dirty="0" err="1" smtClean="0">
-                <a:latin typeface="Arial" pitchFamily="34"/>
-                <a:cs typeface="Arial" pitchFamily="34"/>
-              </a:rPr>
-              <a:t>rasters</a:t>
-            </a:r>
-            <a:r>
-              <a:rPr lang="en-US" sz="1800" dirty="0" smtClean="0">
-                <a:latin typeface="Arial" pitchFamily="34"/>
-                <a:cs typeface="Arial" pitchFamily="34"/>
-              </a:rPr>
-              <a:t> from outside.</a:t>
+              <a:rPr lang="en-US" sz="3200" dirty="0">
+                <a:latin typeface="Arial" pitchFamily="34"/>
+                <a:cs typeface="Arial" pitchFamily="34"/>
+              </a:rPr>
+              <a:t>raster </a:t>
+            </a:r>
+            <a:r>
+              <a:rPr lang="en-US" sz="3200" dirty="0" smtClean="0">
+                <a:latin typeface="Arial" pitchFamily="34"/>
+                <a:cs typeface="Arial" pitchFamily="34"/>
+              </a:rPr>
+              <a:t>???????</a:t>
             </a:r>
           </a:p>
         </p:txBody>
@@ -5828,8 +5804,8 @@
         </p:blipFill>
         <p:spPr bwMode="auto">
           <a:xfrm>
-            <a:off x="5891728" y="1497715"/>
-            <a:ext cx="1968610" cy="1968610"/>
+            <a:off x="3585555" y="2902488"/>
+            <a:ext cx="2643449" cy="2643449"/>
           </a:xfrm>
           <a:prstGeom prst="rect">
             <a:avLst/>
@@ -5846,7 +5822,70 @@
           </a:extLst>
         </p:spPr>
       </p:pic>
+      <p:sp>
+        <p:nvSpPr>
+          <p:cNvPr id="8" name="Title 1"/>
+          <p:cNvSpPr txBox="1">
+            <a:spLocks/>
+          </p:cNvSpPr>
+          <p:nvPr/>
+        </p:nvSpPr>
+        <p:spPr>
+          <a:xfrm>
+            <a:off x="282831" y="60771"/>
+            <a:ext cx="7064828" cy="945017"/>
+          </a:xfrm>
+          <a:prstGeom prst="rect">
+            <a:avLst/>
+          </a:prstGeom>
+        </p:spPr>
+        <p:txBody>
+          <a:bodyPr vert="horz" lIns="91440" tIns="45720" rIns="91440" bIns="45720" rtlCol="0" anchor="b">
+            <a:normAutofit/>
+          </a:bodyPr>
+          <a:lstStyle>
+            <a:lvl1pPr algn="l" defTabSz="1007943" rtl="0" eaLnBrk="1" latinLnBrk="0" hangingPunct="1">
+              <a:lnSpc>
+                <a:spcPct val="85000"/>
+              </a:lnSpc>
+              <a:spcBef>
+                <a:spcPct val="0"/>
+              </a:spcBef>
+              <a:buNone/>
+              <a:defRPr sz="5291" kern="1200" spc="-55" baseline="0">
+                <a:solidFill>
+                  <a:schemeClr val="tx1">
+                    <a:lumMod val="75000"/>
+                    <a:lumOff val="25000"/>
+                  </a:schemeClr>
+                </a:solidFill>
+                <a:latin typeface="+mj-lt"/>
+                <a:ea typeface="+mj-ea"/>
+                <a:cs typeface="+mj-cs"/>
+              </a:defRPr>
+            </a:lvl1pPr>
+          </a:lstStyle>
+          <a:p>
+            <a:r>
+              <a:rPr lang="en-US" sz="4800" smtClean="0">
+                <a:latin typeface="Arial" pitchFamily="34"/>
+                <a:cs typeface="Arial" pitchFamily="34"/>
+              </a:rPr>
+              <a:t>Initial remarks</a:t>
+            </a:r>
+            <a:endParaRPr lang="en-US" sz="4800" dirty="0">
+              <a:latin typeface="Arial" pitchFamily="34"/>
+              <a:cs typeface="Arial" pitchFamily="34"/>
+            </a:endParaRPr>
+          </a:p>
+        </p:txBody>
+      </p:sp>
     </p:spTree>
+    <p:extLst>
+      <p:ext uri="{BB962C8B-B14F-4D97-AF65-F5344CB8AC3E}">
+        <p14:creationId xmlns:p14="http://schemas.microsoft.com/office/powerpoint/2010/main" val="3645985796"/>
+      </p:ext>
+    </p:extLst>
   </p:cSld>
   <p:clrMapOvr>
     <a:masterClrMapping/>
@@ -5871,6 +5910,819 @@
 
 <file path=ppt/slides/slide3.xml><?xml version="1.0" encoding="utf-8"?>
 <p:sld xmlns:a="http://schemas.openxmlformats.org/drawingml/2006/main" xmlns:r="http://schemas.openxmlformats.org/officeDocument/2006/relationships" xmlns:p="http://schemas.openxmlformats.org/presentationml/2006/main">
+  <p:cSld name="page2">
+    <p:spTree>
+      <p:nvGrpSpPr>
+        <p:cNvPr id="1" name=""/>
+        <p:cNvGrpSpPr/>
+        <p:nvPr/>
+      </p:nvGrpSpPr>
+      <p:grpSpPr>
+        <a:xfrm>
+          <a:off x="0" y="0"/>
+          <a:ext cx="0" cy="0"/>
+          <a:chOff x="0" y="0"/>
+          <a:chExt cx="0" cy="0"/>
+        </a:xfrm>
+      </p:grpSpPr>
+      <p:sp>
+        <p:nvSpPr>
+          <p:cNvPr id="2" name="Title 1"/>
+          <p:cNvSpPr txBox="1">
+            <a:spLocks noGrp="1"/>
+          </p:cNvSpPr>
+          <p:nvPr>
+            <p:ph type="title" idx="4294967295"/>
+          </p:nvPr>
+        </p:nvSpPr>
+        <p:spPr>
+          <a:xfrm>
+            <a:off x="282831" y="60771"/>
+            <a:ext cx="7064828" cy="945017"/>
+          </a:xfrm>
+        </p:spPr>
+        <p:txBody>
+          <a:bodyPr>
+            <a:normAutofit/>
+          </a:bodyPr>
+          <a:lstStyle/>
+          <a:p>
+            <a:pPr lvl="0"/>
+            <a:r>
+              <a:rPr lang="en-US" sz="4800" dirty="0" smtClean="0">
+                <a:latin typeface="Arial" pitchFamily="34"/>
+                <a:cs typeface="Arial" pitchFamily="34"/>
+              </a:rPr>
+              <a:t>Initial remarks</a:t>
+            </a:r>
+            <a:endParaRPr lang="en-US" sz="4800" dirty="0">
+              <a:latin typeface="Arial" pitchFamily="34"/>
+              <a:cs typeface="Arial" pitchFamily="34"/>
+            </a:endParaRPr>
+          </a:p>
+        </p:txBody>
+      </p:sp>
+      <p:pic>
+        <p:nvPicPr>
+          <p:cNvPr id="5" name="Picture 4">
+            <a:extLst>
+              <a:ext uri="{FF2B5EF4-FFF2-40B4-BE49-F238E27FC236}">
+                <a16:creationId xmlns:a16="http://schemas.microsoft.com/office/drawing/2014/main" id="{00000000-0000-0000-0000-000000000000}"/>
+              </a:ext>
+            </a:extLst>
+          </p:cNvPr>
+          <p:cNvPicPr>
+            <a:picLocks noChangeAspect="1"/>
+          </p:cNvPicPr>
+          <p:nvPr/>
+        </p:nvPicPr>
+        <p:blipFill>
+          <a:blip r:embed="rId3">
+            <a:lum/>
+            <a:alphaModFix/>
+          </a:blip>
+          <a:srcRect/>
+          <a:stretch>
+            <a:fillRect/>
+          </a:stretch>
+        </p:blipFill>
+        <p:spPr>
+          <a:xfrm>
+            <a:off x="8262257" y="280909"/>
+            <a:ext cx="1230086" cy="1406041"/>
+          </a:xfrm>
+          <a:prstGeom prst="rect">
+            <a:avLst/>
+          </a:prstGeom>
+          <a:noFill/>
+          <a:ln cap="flat">
+            <a:noFill/>
+          </a:ln>
+        </p:spPr>
+      </p:pic>
+      <p:sp>
+        <p:nvSpPr>
+          <p:cNvPr id="6" name="Subtitle 2"/>
+          <p:cNvSpPr txBox="1">
+            <a:spLocks/>
+          </p:cNvSpPr>
+          <p:nvPr/>
+        </p:nvSpPr>
+        <p:spPr>
+          <a:xfrm>
+            <a:off x="338051" y="1557250"/>
+            <a:ext cx="9556211" cy="5519651"/>
+          </a:xfrm>
+          <a:prstGeom prst="rect">
+            <a:avLst/>
+          </a:prstGeom>
+        </p:spPr>
+        <p:txBody>
+          <a:bodyPr vert="horz" lIns="0" tIns="45720" rIns="0" bIns="45720" rtlCol="0">
+            <a:normAutofit fontScale="92500" lnSpcReduction="20000"/>
+          </a:bodyPr>
+          <a:lstStyle>
+            <a:lvl1pPr marL="100794" indent="-100794" algn="l" defTabSz="1007943" rtl="0" eaLnBrk="1" latinLnBrk="0" hangingPunct="1">
+              <a:lnSpc>
+                <a:spcPct val="90000"/>
+              </a:lnSpc>
+              <a:spcBef>
+                <a:spcPts val="1323"/>
+              </a:spcBef>
+              <a:spcAft>
+                <a:spcPts val="220"/>
+              </a:spcAft>
+              <a:buClr>
+                <a:schemeClr val="accent1"/>
+              </a:buClr>
+              <a:buSzPct val="100000"/>
+              <a:buFont typeface="Calibri" panose="020F0502020204030204" pitchFamily="34" charset="0"/>
+              <a:buChar char=" "/>
+              <a:defRPr sz="2205" kern="1200">
+                <a:solidFill>
+                  <a:schemeClr val="tx1">
+                    <a:lumMod val="75000"/>
+                    <a:lumOff val="25000"/>
+                  </a:schemeClr>
+                </a:solidFill>
+                <a:latin typeface="+mn-lt"/>
+                <a:ea typeface="+mn-ea"/>
+                <a:cs typeface="+mn-cs"/>
+              </a:defRPr>
+            </a:lvl1pPr>
+            <a:lvl2pPr marL="423336" indent="-201589" algn="l" defTabSz="1007943" rtl="0" eaLnBrk="1" latinLnBrk="0" hangingPunct="1">
+              <a:lnSpc>
+                <a:spcPct val="90000"/>
+              </a:lnSpc>
+              <a:spcBef>
+                <a:spcPts val="220"/>
+              </a:spcBef>
+              <a:spcAft>
+                <a:spcPts val="441"/>
+              </a:spcAft>
+              <a:buClr>
+                <a:schemeClr val="accent1"/>
+              </a:buClr>
+              <a:buFont typeface="Calibri" pitchFamily="34" charset="0"/>
+              <a:buChar char="◦"/>
+              <a:defRPr sz="1984" kern="1200">
+                <a:solidFill>
+                  <a:schemeClr val="tx1">
+                    <a:lumMod val="75000"/>
+                    <a:lumOff val="25000"/>
+                  </a:schemeClr>
+                </a:solidFill>
+                <a:latin typeface="+mn-lt"/>
+                <a:ea typeface="+mn-ea"/>
+                <a:cs typeface="+mn-cs"/>
+              </a:defRPr>
+            </a:lvl2pPr>
+            <a:lvl3pPr marL="624925" indent="-201589" algn="l" defTabSz="1007943" rtl="0" eaLnBrk="1" latinLnBrk="0" hangingPunct="1">
+              <a:lnSpc>
+                <a:spcPct val="90000"/>
+              </a:lnSpc>
+              <a:spcBef>
+                <a:spcPts val="220"/>
+              </a:spcBef>
+              <a:spcAft>
+                <a:spcPts val="441"/>
+              </a:spcAft>
+              <a:buClr>
+                <a:schemeClr val="accent1"/>
+              </a:buClr>
+              <a:buFont typeface="Calibri" pitchFamily="34" charset="0"/>
+              <a:buChar char="◦"/>
+              <a:defRPr sz="1543" kern="1200">
+                <a:solidFill>
+                  <a:schemeClr val="tx1">
+                    <a:lumMod val="75000"/>
+                    <a:lumOff val="25000"/>
+                  </a:schemeClr>
+                </a:solidFill>
+                <a:latin typeface="+mn-lt"/>
+                <a:ea typeface="+mn-ea"/>
+                <a:cs typeface="+mn-cs"/>
+              </a:defRPr>
+            </a:lvl3pPr>
+            <a:lvl4pPr marL="826513" indent="-201589" algn="l" defTabSz="1007943" rtl="0" eaLnBrk="1" latinLnBrk="0" hangingPunct="1">
+              <a:lnSpc>
+                <a:spcPct val="90000"/>
+              </a:lnSpc>
+              <a:spcBef>
+                <a:spcPts val="220"/>
+              </a:spcBef>
+              <a:spcAft>
+                <a:spcPts val="441"/>
+              </a:spcAft>
+              <a:buClr>
+                <a:schemeClr val="accent1"/>
+              </a:buClr>
+              <a:buFont typeface="Calibri" pitchFamily="34" charset="0"/>
+              <a:buChar char="◦"/>
+              <a:defRPr sz="1543" kern="1200">
+                <a:solidFill>
+                  <a:schemeClr val="tx1">
+                    <a:lumMod val="75000"/>
+                    <a:lumOff val="25000"/>
+                  </a:schemeClr>
+                </a:solidFill>
+                <a:latin typeface="+mn-lt"/>
+                <a:ea typeface="+mn-ea"/>
+                <a:cs typeface="+mn-cs"/>
+              </a:defRPr>
+            </a:lvl4pPr>
+            <a:lvl5pPr marL="1028102" indent="-201589" algn="l" defTabSz="1007943" rtl="0" eaLnBrk="1" latinLnBrk="0" hangingPunct="1">
+              <a:lnSpc>
+                <a:spcPct val="90000"/>
+              </a:lnSpc>
+              <a:spcBef>
+                <a:spcPts val="220"/>
+              </a:spcBef>
+              <a:spcAft>
+                <a:spcPts val="441"/>
+              </a:spcAft>
+              <a:buClr>
+                <a:schemeClr val="accent1"/>
+              </a:buClr>
+              <a:buFont typeface="Calibri" pitchFamily="34" charset="0"/>
+              <a:buChar char="◦"/>
+              <a:defRPr sz="1543" kern="1200">
+                <a:solidFill>
+                  <a:schemeClr val="tx1">
+                    <a:lumMod val="75000"/>
+                    <a:lumOff val="25000"/>
+                  </a:schemeClr>
+                </a:solidFill>
+                <a:latin typeface="+mn-lt"/>
+                <a:ea typeface="+mn-ea"/>
+                <a:cs typeface="+mn-cs"/>
+              </a:defRPr>
+            </a:lvl5pPr>
+            <a:lvl6pPr marL="1212530" indent="-251986" algn="l" defTabSz="1007943" rtl="0" eaLnBrk="1" latinLnBrk="0" hangingPunct="1">
+              <a:lnSpc>
+                <a:spcPct val="90000"/>
+              </a:lnSpc>
+              <a:spcBef>
+                <a:spcPts val="220"/>
+              </a:spcBef>
+              <a:spcAft>
+                <a:spcPts val="441"/>
+              </a:spcAft>
+              <a:buClr>
+                <a:schemeClr val="accent1"/>
+              </a:buClr>
+              <a:buFont typeface="Calibri" pitchFamily="34" charset="0"/>
+              <a:buChar char="◦"/>
+              <a:defRPr sz="1543" kern="1200">
+                <a:solidFill>
+                  <a:schemeClr val="tx1">
+                    <a:lumMod val="75000"/>
+                    <a:lumOff val="25000"/>
+                  </a:schemeClr>
+                </a:solidFill>
+                <a:latin typeface="+mn-lt"/>
+                <a:ea typeface="+mn-ea"/>
+                <a:cs typeface="+mn-cs"/>
+              </a:defRPr>
+            </a:lvl6pPr>
+            <a:lvl7pPr marL="1432990" indent="-251986" algn="l" defTabSz="1007943" rtl="0" eaLnBrk="1" latinLnBrk="0" hangingPunct="1">
+              <a:lnSpc>
+                <a:spcPct val="90000"/>
+              </a:lnSpc>
+              <a:spcBef>
+                <a:spcPts val="220"/>
+              </a:spcBef>
+              <a:spcAft>
+                <a:spcPts val="441"/>
+              </a:spcAft>
+              <a:buClr>
+                <a:schemeClr val="accent1"/>
+              </a:buClr>
+              <a:buFont typeface="Calibri" pitchFamily="34" charset="0"/>
+              <a:buChar char="◦"/>
+              <a:defRPr sz="1543" kern="1200">
+                <a:solidFill>
+                  <a:schemeClr val="tx1">
+                    <a:lumMod val="75000"/>
+                    <a:lumOff val="25000"/>
+                  </a:schemeClr>
+                </a:solidFill>
+                <a:latin typeface="+mn-lt"/>
+                <a:ea typeface="+mn-ea"/>
+                <a:cs typeface="+mn-cs"/>
+              </a:defRPr>
+            </a:lvl7pPr>
+            <a:lvl8pPr marL="1653450" indent="-251986" algn="l" defTabSz="1007943" rtl="0" eaLnBrk="1" latinLnBrk="0" hangingPunct="1">
+              <a:lnSpc>
+                <a:spcPct val="90000"/>
+              </a:lnSpc>
+              <a:spcBef>
+                <a:spcPts val="220"/>
+              </a:spcBef>
+              <a:spcAft>
+                <a:spcPts val="441"/>
+              </a:spcAft>
+              <a:buClr>
+                <a:schemeClr val="accent1"/>
+              </a:buClr>
+              <a:buFont typeface="Calibri" pitchFamily="34" charset="0"/>
+              <a:buChar char="◦"/>
+              <a:defRPr sz="1543" kern="1200">
+                <a:solidFill>
+                  <a:schemeClr val="tx1">
+                    <a:lumMod val="75000"/>
+                    <a:lumOff val="25000"/>
+                  </a:schemeClr>
+                </a:solidFill>
+                <a:latin typeface="+mn-lt"/>
+                <a:ea typeface="+mn-ea"/>
+                <a:cs typeface="+mn-cs"/>
+              </a:defRPr>
+            </a:lvl8pPr>
+            <a:lvl9pPr marL="1873910" indent="-251986" algn="l" defTabSz="1007943" rtl="0" eaLnBrk="1" latinLnBrk="0" hangingPunct="1">
+              <a:lnSpc>
+                <a:spcPct val="90000"/>
+              </a:lnSpc>
+              <a:spcBef>
+                <a:spcPts val="220"/>
+              </a:spcBef>
+              <a:spcAft>
+                <a:spcPts val="441"/>
+              </a:spcAft>
+              <a:buClr>
+                <a:schemeClr val="accent1"/>
+              </a:buClr>
+              <a:buFont typeface="Calibri" pitchFamily="34" charset="0"/>
+              <a:buChar char="◦"/>
+              <a:defRPr sz="1543" kern="1200">
+                <a:solidFill>
+                  <a:schemeClr val="tx1">
+                    <a:lumMod val="75000"/>
+                    <a:lumOff val="25000"/>
+                  </a:schemeClr>
+                </a:solidFill>
+                <a:latin typeface="+mn-lt"/>
+                <a:ea typeface="+mn-ea"/>
+                <a:cs typeface="+mn-cs"/>
+              </a:defRPr>
+            </a:lvl9pPr>
+          </a:lstStyle>
+          <a:p>
+            <a:r>
+              <a:rPr lang="en-US" sz="1800" dirty="0" smtClean="0">
+                <a:latin typeface="Arial" pitchFamily="34"/>
+                <a:cs typeface="Arial" pitchFamily="34"/>
+              </a:rPr>
+              <a:t>- One DB for multiple users!!</a:t>
+            </a:r>
+          </a:p>
+          <a:p>
+            <a:endParaRPr lang="en-US" sz="1800" dirty="0" smtClean="0">
+              <a:latin typeface="Arial" pitchFamily="34"/>
+              <a:cs typeface="Arial" pitchFamily="34"/>
+            </a:endParaRPr>
+          </a:p>
+          <a:p>
+            <a:r>
+              <a:rPr lang="en-US" sz="1800" dirty="0" smtClean="0">
+                <a:latin typeface="Arial" pitchFamily="34"/>
+                <a:cs typeface="Arial" pitchFamily="34"/>
+              </a:rPr>
+              <a:t>- </a:t>
+            </a:r>
+            <a:r>
+              <a:rPr lang="en-US" sz="1800" dirty="0">
+                <a:latin typeface="Arial" pitchFamily="34"/>
+                <a:cs typeface="Arial" pitchFamily="34"/>
+              </a:rPr>
+              <a:t>Raster type is different from geometry type!</a:t>
+            </a:r>
+          </a:p>
+          <a:p>
+            <a:pPr lvl="1"/>
+            <a:r>
+              <a:rPr lang="en-US" sz="1579" dirty="0">
+                <a:latin typeface="Arial" pitchFamily="34"/>
+                <a:cs typeface="Arial" pitchFamily="34"/>
+              </a:rPr>
+              <a:t>- The two types can work together</a:t>
+            </a:r>
+            <a:r>
+              <a:rPr lang="en-US" sz="1579" dirty="0" smtClean="0">
+                <a:latin typeface="Arial" pitchFamily="34"/>
+                <a:cs typeface="Arial" pitchFamily="34"/>
+              </a:rPr>
+              <a:t>.</a:t>
+            </a:r>
+          </a:p>
+          <a:p>
+            <a:pPr lvl="1"/>
+            <a:endParaRPr lang="en-US" sz="1579" dirty="0" smtClean="0">
+              <a:latin typeface="Arial" pitchFamily="34"/>
+              <a:cs typeface="Arial" pitchFamily="34"/>
+            </a:endParaRPr>
+          </a:p>
+          <a:p>
+            <a:r>
+              <a:rPr lang="en-US" sz="1800" dirty="0" smtClean="0">
+                <a:latin typeface="Arial" pitchFamily="34"/>
+                <a:cs typeface="Arial" pitchFamily="34"/>
+              </a:rPr>
+              <a:t>- More than 140 raster functions and growing! </a:t>
+            </a:r>
+            <a:r>
+              <a:rPr lang="en-150" sz="1800" dirty="0" smtClean="0">
+                <a:latin typeface="Arial" pitchFamily="34"/>
+                <a:cs typeface="Arial" pitchFamily="34"/>
+                <a:sym typeface="Wingdings" panose="05000000000000000000" pitchFamily="2" charset="2"/>
+              </a:rPr>
+              <a:t></a:t>
+            </a:r>
+            <a:r>
+              <a:rPr lang="en-US" sz="1800" dirty="0" smtClean="0">
+                <a:latin typeface="Arial" pitchFamily="34"/>
+                <a:cs typeface="Arial" pitchFamily="34"/>
+                <a:sym typeface="Wingdings" panose="05000000000000000000" pitchFamily="2" charset="2"/>
+              </a:rPr>
+              <a:t> </a:t>
+            </a:r>
+            <a:r>
+              <a:rPr lang="nl-NL" sz="1800" dirty="0" smtClean="0">
+                <a:latin typeface="Arial" pitchFamily="34"/>
+                <a:cs typeface="Arial" pitchFamily="34"/>
+                <a:sym typeface="Wingdings" panose="05000000000000000000" pitchFamily="2" charset="2"/>
+                <a:hlinkClick r:id="rId4"/>
+              </a:rPr>
+              <a:t>https</a:t>
+            </a:r>
+            <a:r>
+              <a:rPr lang="nl-NL" sz="1800" dirty="0">
+                <a:latin typeface="Arial" pitchFamily="34"/>
+                <a:cs typeface="Arial" pitchFamily="34"/>
+                <a:sym typeface="Wingdings" panose="05000000000000000000" pitchFamily="2" charset="2"/>
+                <a:hlinkClick r:id="rId4"/>
+              </a:rPr>
+              <a:t>://</a:t>
+            </a:r>
+            <a:r>
+              <a:rPr lang="nl-NL" sz="1800" dirty="0" smtClean="0">
+                <a:latin typeface="Arial" pitchFamily="34"/>
+                <a:cs typeface="Arial" pitchFamily="34"/>
+                <a:sym typeface="Wingdings" panose="05000000000000000000" pitchFamily="2" charset="2"/>
+                <a:hlinkClick r:id="rId4"/>
+              </a:rPr>
+              <a:t>postgis.net/docs/RT_reference.html</a:t>
+            </a:r>
+            <a:endParaRPr lang="en-US" sz="1800" dirty="0">
+              <a:latin typeface="Arial" pitchFamily="34"/>
+              <a:cs typeface="Arial" pitchFamily="34"/>
+            </a:endParaRPr>
+          </a:p>
+          <a:p>
+            <a:pPr marL="221747" lvl="1" indent="0">
+              <a:buNone/>
+            </a:pPr>
+            <a:r>
+              <a:rPr lang="en-US" sz="1600" dirty="0" smtClean="0">
+                <a:latin typeface="Arial" pitchFamily="34"/>
+                <a:cs typeface="Arial" pitchFamily="34"/>
+              </a:rPr>
+              <a:t>	- </a:t>
+            </a:r>
+            <a:r>
+              <a:rPr lang="en-US" sz="1600" dirty="0" err="1" smtClean="0">
+                <a:latin typeface="Arial" pitchFamily="34"/>
+                <a:cs typeface="Arial" pitchFamily="34"/>
+              </a:rPr>
+              <a:t>ST_Clip</a:t>
+            </a:r>
+            <a:endParaRPr lang="en-US" sz="1600" dirty="0" smtClean="0">
+              <a:latin typeface="Arial" pitchFamily="34"/>
+              <a:cs typeface="Arial" pitchFamily="34"/>
+            </a:endParaRPr>
+          </a:p>
+          <a:p>
+            <a:pPr marL="221747" lvl="1" indent="0">
+              <a:buNone/>
+            </a:pPr>
+            <a:r>
+              <a:rPr lang="en-US" sz="1600" dirty="0">
+                <a:latin typeface="Arial" pitchFamily="34"/>
+                <a:cs typeface="Arial" pitchFamily="34"/>
+              </a:rPr>
+              <a:t>	</a:t>
+            </a:r>
+            <a:r>
+              <a:rPr lang="en-US" sz="1600" dirty="0" smtClean="0">
+                <a:latin typeface="Arial" pitchFamily="34"/>
+                <a:cs typeface="Arial" pitchFamily="34"/>
+              </a:rPr>
+              <a:t>- </a:t>
+            </a:r>
+            <a:r>
+              <a:rPr lang="en-US" sz="1600" dirty="0" err="1" smtClean="0">
+                <a:latin typeface="Arial" pitchFamily="34"/>
+                <a:cs typeface="Arial" pitchFamily="34"/>
+              </a:rPr>
+              <a:t>ST_Slope</a:t>
+            </a:r>
+            <a:endParaRPr lang="en-US" sz="1600" dirty="0" smtClean="0">
+              <a:latin typeface="Arial" pitchFamily="34"/>
+              <a:cs typeface="Arial" pitchFamily="34"/>
+            </a:endParaRPr>
+          </a:p>
+          <a:p>
+            <a:pPr marL="221747" lvl="1" indent="0">
+              <a:buNone/>
+            </a:pPr>
+            <a:r>
+              <a:rPr lang="en-US" sz="1600" dirty="0">
+                <a:latin typeface="Arial" pitchFamily="34"/>
+                <a:cs typeface="Arial" pitchFamily="34"/>
+              </a:rPr>
+              <a:t>	</a:t>
+            </a:r>
+            <a:r>
+              <a:rPr lang="en-US" sz="1600" dirty="0" smtClean="0">
+                <a:latin typeface="Arial" pitchFamily="34"/>
+                <a:cs typeface="Arial" pitchFamily="34"/>
+              </a:rPr>
+              <a:t>- </a:t>
+            </a:r>
+            <a:r>
+              <a:rPr lang="en-US" sz="1600" dirty="0" err="1" smtClean="0">
+                <a:latin typeface="Arial" pitchFamily="34"/>
+                <a:cs typeface="Arial" pitchFamily="34"/>
+              </a:rPr>
+              <a:t>ST_Reclass</a:t>
+            </a:r>
+            <a:endParaRPr lang="en-US" sz="1600" dirty="0" smtClean="0">
+              <a:latin typeface="Arial" pitchFamily="34"/>
+              <a:cs typeface="Arial" pitchFamily="34"/>
+            </a:endParaRPr>
+          </a:p>
+          <a:p>
+            <a:pPr marL="221747" lvl="1" indent="0">
+              <a:buNone/>
+            </a:pPr>
+            <a:r>
+              <a:rPr lang="en-US" sz="1600" dirty="0">
+                <a:latin typeface="Arial" pitchFamily="34"/>
+                <a:cs typeface="Arial" pitchFamily="34"/>
+              </a:rPr>
+              <a:t>	</a:t>
+            </a:r>
+            <a:r>
+              <a:rPr lang="en-US" sz="1600" dirty="0" smtClean="0">
+                <a:latin typeface="Arial" pitchFamily="34"/>
+                <a:cs typeface="Arial" pitchFamily="34"/>
+              </a:rPr>
+              <a:t>- </a:t>
+            </a:r>
+            <a:r>
+              <a:rPr lang="en-US" sz="1600" dirty="0" err="1" smtClean="0">
+                <a:latin typeface="Arial" pitchFamily="34"/>
+                <a:cs typeface="Arial" pitchFamily="34"/>
+              </a:rPr>
+              <a:t>ST_MapAlgebra</a:t>
+            </a:r>
+            <a:r>
+              <a:rPr lang="en-US" sz="1600" dirty="0" smtClean="0">
+                <a:latin typeface="Arial" pitchFamily="34"/>
+                <a:cs typeface="Arial" pitchFamily="34"/>
+              </a:rPr>
+              <a:t> </a:t>
+            </a:r>
+            <a:r>
+              <a:rPr lang="en-150" sz="1600" dirty="0" smtClean="0">
+                <a:latin typeface="Arial" pitchFamily="34"/>
+                <a:cs typeface="Arial" pitchFamily="34"/>
+                <a:sym typeface="Wingdings" panose="05000000000000000000" pitchFamily="2" charset="2"/>
+              </a:rPr>
+              <a:t></a:t>
+            </a:r>
+            <a:r>
+              <a:rPr lang="en-US" sz="1600" dirty="0" smtClean="0">
+                <a:latin typeface="Arial" pitchFamily="34"/>
+                <a:cs typeface="Arial" pitchFamily="34"/>
+                <a:sym typeface="Wingdings" panose="05000000000000000000" pitchFamily="2" charset="2"/>
+              </a:rPr>
+              <a:t> A super powerful </a:t>
+            </a:r>
+            <a:r>
+              <a:rPr lang="en-US" sz="1600" dirty="0">
+                <a:latin typeface="Arial" pitchFamily="34"/>
+                <a:cs typeface="Arial" pitchFamily="34"/>
+                <a:sym typeface="Wingdings" panose="05000000000000000000" pitchFamily="2" charset="2"/>
+              </a:rPr>
+              <a:t>tool</a:t>
+            </a:r>
+            <a:r>
+              <a:rPr lang="en-US" sz="1600" dirty="0" smtClean="0">
+                <a:latin typeface="Arial" pitchFamily="34"/>
+                <a:cs typeface="Arial" pitchFamily="34"/>
+                <a:sym typeface="Wingdings" panose="05000000000000000000" pitchFamily="2" charset="2"/>
+              </a:rPr>
+              <a:t>!!</a:t>
+            </a:r>
+          </a:p>
+          <a:p>
+            <a:pPr marL="221747" lvl="1" indent="0">
+              <a:buNone/>
+            </a:pPr>
+            <a:endParaRPr lang="en-US" sz="1600" dirty="0" smtClean="0">
+              <a:latin typeface="Arial" pitchFamily="34"/>
+              <a:cs typeface="Arial" pitchFamily="34"/>
+            </a:endParaRPr>
+          </a:p>
+          <a:p>
+            <a:r>
+              <a:rPr lang="en-US" sz="1800" dirty="0" smtClean="0">
+                <a:latin typeface="Arial" pitchFamily="34"/>
+                <a:cs typeface="Arial" pitchFamily="34"/>
+              </a:rPr>
+              <a:t>- Supports </a:t>
+            </a:r>
+            <a:r>
+              <a:rPr lang="en-US" sz="1800" dirty="0" err="1" smtClean="0">
+                <a:latin typeface="Arial" pitchFamily="34"/>
+                <a:cs typeface="Arial" pitchFamily="34"/>
+              </a:rPr>
+              <a:t>rasters</a:t>
+            </a:r>
+            <a:r>
+              <a:rPr lang="en-US" sz="1800" dirty="0" smtClean="0">
+                <a:latin typeface="Arial" pitchFamily="34"/>
+                <a:cs typeface="Arial" pitchFamily="34"/>
+              </a:rPr>
+              <a:t> in-database and out-of-db.</a:t>
+            </a:r>
+          </a:p>
+          <a:p>
+            <a:pPr lvl="1"/>
+            <a:r>
+              <a:rPr lang="en-US" sz="1579" dirty="0" smtClean="0">
+                <a:latin typeface="Arial" pitchFamily="34"/>
+                <a:cs typeface="Arial" pitchFamily="34"/>
+              </a:rPr>
+              <a:t>- In out-of-</a:t>
+            </a:r>
+            <a:r>
+              <a:rPr lang="en-US" sz="1579" dirty="0" err="1" smtClean="0">
+                <a:latin typeface="Arial" pitchFamily="34"/>
+                <a:cs typeface="Arial" pitchFamily="34"/>
+              </a:rPr>
+              <a:t>db</a:t>
+            </a:r>
+            <a:r>
+              <a:rPr lang="en-US" sz="1579" dirty="0" smtClean="0">
+                <a:latin typeface="Arial" pitchFamily="34"/>
+                <a:cs typeface="Arial" pitchFamily="34"/>
+              </a:rPr>
+              <a:t> mode, raster's will be accessed by </a:t>
+            </a:r>
+            <a:r>
+              <a:rPr lang="en-US" sz="1579" dirty="0" err="1" smtClean="0">
+                <a:latin typeface="Arial" pitchFamily="34"/>
+                <a:cs typeface="Arial" pitchFamily="34"/>
+              </a:rPr>
+              <a:t>postgresql</a:t>
+            </a:r>
+            <a:r>
+              <a:rPr lang="en-US" sz="1579" dirty="0" smtClean="0">
+                <a:latin typeface="Arial" pitchFamily="34"/>
+                <a:cs typeface="Arial" pitchFamily="34"/>
+              </a:rPr>
+              <a:t> in read only mode!</a:t>
+            </a:r>
+          </a:p>
+          <a:p>
+            <a:endParaRPr lang="en-US" sz="1800" dirty="0" smtClean="0">
+              <a:latin typeface="Arial" pitchFamily="34"/>
+              <a:cs typeface="Arial" pitchFamily="34"/>
+            </a:endParaRPr>
+          </a:p>
+          <a:p>
+            <a:r>
+              <a:rPr lang="en-US" sz="1800" dirty="0" smtClean="0">
+                <a:latin typeface="Arial" pitchFamily="34"/>
+                <a:cs typeface="Arial" pitchFamily="34"/>
+              </a:rPr>
+              <a:t>- raster2pgsql is the way to load an existing raster into a db.</a:t>
+            </a:r>
+          </a:p>
+          <a:p>
+            <a:endParaRPr lang="en-US" sz="1800" dirty="0" smtClean="0">
+              <a:latin typeface="Arial" pitchFamily="34"/>
+              <a:cs typeface="Arial" pitchFamily="34"/>
+            </a:endParaRPr>
+          </a:p>
+          <a:p>
+            <a:r>
+              <a:rPr lang="en-US" sz="1800" dirty="0" smtClean="0">
+                <a:latin typeface="Arial" pitchFamily="34"/>
+                <a:cs typeface="Arial" pitchFamily="34"/>
+              </a:rPr>
+              <a:t>- </a:t>
+            </a:r>
+            <a:r>
+              <a:rPr lang="en-US" sz="1800" dirty="0" err="1" smtClean="0">
+                <a:latin typeface="Arial" pitchFamily="34"/>
+                <a:cs typeface="Arial" pitchFamily="34"/>
+              </a:rPr>
+              <a:t>Gdal</a:t>
+            </a:r>
+            <a:r>
+              <a:rPr lang="en-US" sz="1800" dirty="0" smtClean="0">
+                <a:latin typeface="Arial" pitchFamily="34"/>
+                <a:cs typeface="Arial" pitchFamily="34"/>
+              </a:rPr>
+              <a:t> supports reading </a:t>
+            </a:r>
+            <a:r>
+              <a:rPr lang="en-US" sz="1800" dirty="0" err="1" smtClean="0">
+                <a:latin typeface="Arial" pitchFamily="34"/>
+                <a:cs typeface="Arial" pitchFamily="34"/>
+              </a:rPr>
+              <a:t>postgis</a:t>
+            </a:r>
+            <a:r>
+              <a:rPr lang="en-US" sz="1800" dirty="0" smtClean="0">
+                <a:latin typeface="Arial" pitchFamily="34"/>
+                <a:cs typeface="Arial" pitchFamily="34"/>
+              </a:rPr>
+              <a:t> </a:t>
+            </a:r>
+            <a:r>
+              <a:rPr lang="en-US" sz="1800" dirty="0" err="1" smtClean="0">
+                <a:latin typeface="Arial" pitchFamily="34"/>
+                <a:cs typeface="Arial" pitchFamily="34"/>
+              </a:rPr>
+              <a:t>rasters</a:t>
+            </a:r>
+            <a:r>
+              <a:rPr lang="en-US" sz="1800" dirty="0" smtClean="0">
+                <a:latin typeface="Arial" pitchFamily="34"/>
+                <a:cs typeface="Arial" pitchFamily="34"/>
+              </a:rPr>
+              <a:t> and therefore can be used to export and access </a:t>
+            </a:r>
+            <a:r>
+              <a:rPr lang="en-US" sz="1800" dirty="0" err="1" smtClean="0">
+                <a:latin typeface="Arial" pitchFamily="34"/>
+                <a:cs typeface="Arial" pitchFamily="34"/>
+              </a:rPr>
+              <a:t>postgis</a:t>
+            </a:r>
+            <a:r>
+              <a:rPr lang="en-US" sz="1800" dirty="0" smtClean="0">
+                <a:latin typeface="Arial" pitchFamily="34"/>
+                <a:cs typeface="Arial" pitchFamily="34"/>
+              </a:rPr>
+              <a:t> </a:t>
+            </a:r>
+            <a:r>
+              <a:rPr lang="en-US" sz="1800" dirty="0" err="1" smtClean="0">
+                <a:latin typeface="Arial" pitchFamily="34"/>
+                <a:cs typeface="Arial" pitchFamily="34"/>
+              </a:rPr>
+              <a:t>rasters</a:t>
+            </a:r>
+            <a:r>
+              <a:rPr lang="en-US" sz="1800" dirty="0" smtClean="0">
+                <a:latin typeface="Arial" pitchFamily="34"/>
+                <a:cs typeface="Arial" pitchFamily="34"/>
+              </a:rPr>
+              <a:t> from outside.</a:t>
+            </a:r>
+          </a:p>
+        </p:txBody>
+      </p:sp>
+    </p:spTree>
+  </p:cSld>
+  <p:clrMapOvr>
+    <a:masterClrMapping/>
+  </p:clrMapOvr>
+  <mc:AlternateContent xmlns:mc="http://schemas.openxmlformats.org/markup-compatibility/2006" xmlns:p14="http://schemas.microsoft.com/office/powerpoint/2010/main">
+    <mc:Choice Requires="p14">
+      <p:transition spd="slow" p14:dur="2000"/>
+    </mc:Choice>
+    <mc:Fallback xmlns="">
+      <p:transition spd="slow"/>
+    </mc:Fallback>
+  </mc:AlternateContent>
+  <p:timing>
+    <p:tnLst>
+      <p:par>
+        <p:cTn id="1" dur="indefinite" restart="never" nodeType="tmRoot"/>
+      </p:par>
+    </p:tnLst>
+  </p:timing>
+</p:sld>
+</file>
+
+<file path=ppt/slides/slide4.xml><?xml version="1.0" encoding="utf-8"?>
+<p:sld xmlns:a="http://schemas.openxmlformats.org/drawingml/2006/main" xmlns:r="http://schemas.openxmlformats.org/officeDocument/2006/relationships" xmlns:p="http://schemas.openxmlformats.org/presentationml/2006/main">
   <p:cSld>
     <p:spTree>
       <p:nvGrpSpPr>
@@ -5888,48 +6740,6 @@
       </p:grpSpPr>
       <p:sp>
         <p:nvSpPr>
-          <p:cNvPr id="2" name="Title 1"/>
-          <p:cNvSpPr txBox="1">
-            <a:spLocks noGrp="1"/>
-          </p:cNvSpPr>
-          <p:nvPr>
-            <p:ph type="title" idx="4294967295"/>
-          </p:nvPr>
-        </p:nvSpPr>
-        <p:spPr>
-          <a:xfrm>
-            <a:off x="0" y="181576"/>
-            <a:ext cx="9072563" cy="1262063"/>
-          </a:xfrm>
-        </p:spPr>
-        <p:txBody>
-          <a:bodyPr/>
-          <a:lstStyle/>
-          <a:p>
-            <a:pPr lvl="0"/>
-            <a:r>
-              <a:rPr lang="en-US" dirty="0" smtClean="0">
-                <a:latin typeface="Arial" pitchFamily="34"/>
-                <a:cs typeface="Arial" pitchFamily="34"/>
-              </a:rPr>
-              <a:t>Loading </a:t>
-            </a:r>
-            <a:r>
-              <a:rPr lang="en-US" dirty="0" err="1" smtClean="0">
-                <a:latin typeface="Arial" pitchFamily="34"/>
-                <a:cs typeface="Arial" pitchFamily="34"/>
-              </a:rPr>
-              <a:t>rasters</a:t>
-            </a:r>
-            <a:endParaRPr lang="en-US" dirty="0">
-              <a:latin typeface="Arial" pitchFamily="34"/>
-              <a:cs typeface="Arial" pitchFamily="34"/>
-            </a:endParaRPr>
-          </a:p>
-        </p:txBody>
-      </p:sp>
-      <p:sp>
-        <p:nvSpPr>
           <p:cNvPr id="3" name="Subtitle 2"/>
           <p:cNvSpPr txBox="1">
             <a:spLocks noGrp="1"/>
@@ -5946,7 +6756,7 @@
         </p:spPr>
         <p:txBody>
           <a:bodyPr>
-            <a:normAutofit lnSpcReduction="10000"/>
+            <a:normAutofit/>
           </a:bodyPr>
           <a:lstStyle/>
           <a:p>
@@ -6049,40 +6859,81 @@
               <a:t>- R : </a:t>
             </a:r>
             <a:r>
+              <a:rPr lang="en-US" sz="1800" dirty="0" smtClean="0">
+                <a:latin typeface="Arial" pitchFamily="34"/>
+                <a:cs typeface="Arial" pitchFamily="34"/>
+              </a:rPr>
+              <a:t>Register </a:t>
+            </a:r>
+            <a:r>
+              <a:rPr lang="en-US" sz="1800" dirty="0" smtClean="0">
+                <a:latin typeface="Arial" pitchFamily="34"/>
+                <a:cs typeface="Arial" pitchFamily="34"/>
+              </a:rPr>
+              <a:t>raster outside </a:t>
+            </a:r>
+            <a:r>
+              <a:rPr lang="en-US" sz="1800" dirty="0" smtClean="0">
+                <a:latin typeface="Arial" pitchFamily="34"/>
+                <a:cs typeface="Arial" pitchFamily="34"/>
+              </a:rPr>
+              <a:t>BD </a:t>
+            </a:r>
+            <a:r>
+              <a:rPr lang="en-US" sz="1800" dirty="0" smtClean="0">
+                <a:latin typeface="Arial" pitchFamily="34"/>
+                <a:cs typeface="Arial" pitchFamily="34"/>
+              </a:rPr>
+              <a:t>(</a:t>
+            </a:r>
+            <a:r>
               <a:rPr lang="en-US" sz="1800" dirty="0" err="1" smtClean="0">
                 <a:latin typeface="Arial" pitchFamily="34"/>
                 <a:cs typeface="Arial" pitchFamily="34"/>
               </a:rPr>
-              <a:t>Regista</a:t>
+              <a:t>filesystem</a:t>
             </a:r>
             <a:r>
               <a:rPr lang="en-US" sz="1800" dirty="0" smtClean="0">
                 <a:latin typeface="Arial" pitchFamily="34"/>
                 <a:cs typeface="Arial" pitchFamily="34"/>
               </a:rPr>
-              <a:t> o raster fora da BD (</a:t>
-            </a:r>
-            <a:r>
-              <a:rPr lang="en-US" sz="1800" dirty="0" err="1" smtClean="0">
-                <a:latin typeface="Arial" pitchFamily="34"/>
-                <a:cs typeface="Arial" pitchFamily="34"/>
-              </a:rPr>
-              <a:t>filesystem</a:t>
-            </a:r>
+              <a:t>)</a:t>
+            </a:r>
+          </a:p>
+          <a:p>
             <a:r>
               <a:rPr lang="en-US" sz="1800" dirty="0" smtClean="0">
                 <a:latin typeface="Arial" pitchFamily="34"/>
                 <a:cs typeface="Arial" pitchFamily="34"/>
               </a:rPr>
-              <a:t>)</a:t>
-            </a:r>
-          </a:p>
-          <a:p>
+              <a:t>- </a:t>
+            </a:r>
+            <a:r>
+              <a:rPr lang="en-US" sz="1800" dirty="0">
+                <a:latin typeface="Arial" pitchFamily="34"/>
+                <a:cs typeface="Arial" pitchFamily="34"/>
+              </a:rPr>
+              <a:t>F : </a:t>
+            </a:r>
             <a:r>
               <a:rPr lang="en-US" sz="1800" dirty="0" smtClean="0">
                 <a:latin typeface="Arial" pitchFamily="34"/>
                 <a:cs typeface="Arial" pitchFamily="34"/>
               </a:rPr>
+              <a:t>Adds a column with name of the raster</a:t>
+            </a:r>
+            <a:endParaRPr lang="en-US" sz="1800" dirty="0">
+              <a:latin typeface="Arial" pitchFamily="34"/>
+              <a:cs typeface="Arial" pitchFamily="34"/>
+            </a:endParaRPr>
+          </a:p>
+          <a:p>
+            <a:r>
+              <a:rPr lang="en-US" sz="1800" dirty="0" smtClean="0">
+                <a:latin typeface="Arial" pitchFamily="34"/>
+                <a:cs typeface="Arial" pitchFamily="34"/>
+              </a:rPr>
               <a:t>- </a:t>
             </a:r>
             <a:r>
@@ -6090,277 +6941,148 @@
                 <a:latin typeface="Arial" pitchFamily="34"/>
                 <a:cs typeface="Arial" pitchFamily="34"/>
               </a:rPr>
-              <a:t>F : </a:t>
+              <a:t>N : </a:t>
+            </a:r>
+            <a:r>
+              <a:rPr lang="en-US" sz="1800" dirty="0" smtClean="0">
+                <a:latin typeface="Arial" pitchFamily="34"/>
+                <a:cs typeface="Arial" pitchFamily="34"/>
+              </a:rPr>
+              <a:t>“</a:t>
+            </a:r>
+            <a:r>
+              <a:rPr lang="en-US" sz="1800" dirty="0">
+                <a:latin typeface="Arial" pitchFamily="34"/>
+                <a:cs typeface="Arial" pitchFamily="34"/>
+              </a:rPr>
+              <a:t>no data</a:t>
+            </a:r>
+            <a:r>
+              <a:rPr lang="en-US" sz="1800" dirty="0" smtClean="0">
+                <a:latin typeface="Arial" pitchFamily="34"/>
+                <a:cs typeface="Arial" pitchFamily="34"/>
+              </a:rPr>
+              <a:t>” value</a:t>
+            </a:r>
+            <a:endParaRPr lang="en-US" sz="1800" dirty="0">
+              <a:latin typeface="Arial" pitchFamily="34"/>
+              <a:cs typeface="Arial" pitchFamily="34"/>
+            </a:endParaRPr>
+          </a:p>
+          <a:p>
+            <a:r>
+              <a:rPr lang="en-US" sz="1800" dirty="0">
+                <a:latin typeface="Arial" pitchFamily="34"/>
+                <a:cs typeface="Arial" pitchFamily="34"/>
+              </a:rPr>
+              <a:t>- I : </a:t>
+            </a:r>
+            <a:r>
+              <a:rPr lang="en-US" sz="1800" dirty="0" smtClean="0">
+                <a:latin typeface="Arial" pitchFamily="34"/>
+                <a:cs typeface="Arial" pitchFamily="34"/>
+              </a:rPr>
+              <a:t>Adds </a:t>
+            </a:r>
+            <a:r>
+              <a:rPr lang="en-US" sz="1800" dirty="0">
+                <a:latin typeface="Arial" pitchFamily="34"/>
+                <a:cs typeface="Arial" pitchFamily="34"/>
+              </a:rPr>
+              <a:t>gist spatial index</a:t>
+            </a:r>
+          </a:p>
+          <a:p>
+            <a:r>
+              <a:rPr lang="en-US" sz="1800" dirty="0">
+                <a:latin typeface="Arial" pitchFamily="34"/>
+                <a:cs typeface="Arial" pitchFamily="34"/>
+              </a:rPr>
+              <a:t>- C </a:t>
+            </a:r>
+            <a:r>
+              <a:rPr lang="en-US" sz="1800" dirty="0">
+                <a:latin typeface="Arial" pitchFamily="34"/>
+                <a:cs typeface="Arial" pitchFamily="34"/>
+              </a:rPr>
+              <a:t>: Apply raster constraints -- </a:t>
             </a:r>
             <a:r>
               <a:rPr lang="en-US" sz="1800" dirty="0" err="1">
                 <a:latin typeface="Arial" pitchFamily="34"/>
                 <a:cs typeface="Arial" pitchFamily="34"/>
               </a:rPr>
-              <a:t>Adiciona</a:t>
+              <a:t>srid</a:t>
             </a:r>
             <a:r>
               <a:rPr lang="en-US" sz="1800" dirty="0">
                 <a:latin typeface="Arial" pitchFamily="34"/>
                 <a:cs typeface="Arial" pitchFamily="34"/>
               </a:rPr>
-              <a:t> </a:t>
+              <a:t>, </a:t>
             </a:r>
             <a:r>
               <a:rPr lang="en-US" sz="1800" dirty="0" err="1">
                 <a:latin typeface="Arial" pitchFamily="34"/>
                 <a:cs typeface="Arial" pitchFamily="34"/>
               </a:rPr>
-              <a:t>coluna</a:t>
+              <a:t>pixelsize</a:t>
             </a:r>
             <a:r>
               <a:rPr lang="en-US" sz="1800" dirty="0">
                 <a:latin typeface="Arial" pitchFamily="34"/>
                 <a:cs typeface="Arial" pitchFamily="34"/>
               </a:rPr>
-              <a:t> com </a:t>
+              <a:t> etc. to ensure raster is properly registered in </a:t>
             </a:r>
             <a:r>
               <a:rPr lang="en-US" sz="1800" dirty="0" err="1">
                 <a:latin typeface="Arial" pitchFamily="34"/>
                 <a:cs typeface="Arial" pitchFamily="34"/>
               </a:rPr>
-              <a:t>nome</a:t>
+              <a:t>raster_columns</a:t>
             </a:r>
             <a:r>
               <a:rPr lang="en-US" sz="1800" dirty="0">
                 <a:latin typeface="Arial" pitchFamily="34"/>
                 <a:cs typeface="Arial" pitchFamily="34"/>
               </a:rPr>
-              <a:t> do raster</a:t>
-            </a:r>
-          </a:p>
-          <a:p>
+              <a:t> view</a:t>
+            </a:r>
+            <a:r>
+              <a:rPr lang="en-US" sz="1800" dirty="0" smtClean="0">
+                <a:latin typeface="Arial" pitchFamily="34"/>
+                <a:cs typeface="Arial" pitchFamily="34"/>
+              </a:rPr>
+              <a:t>.</a:t>
+            </a:r>
+          </a:p>
+          <a:p>
+            <a:r>
+              <a:rPr lang="en-US" sz="1800" dirty="0" smtClean="0">
+                <a:latin typeface="Arial" pitchFamily="34"/>
+                <a:cs typeface="Arial" pitchFamily="34"/>
+              </a:rPr>
+              <a:t>- </a:t>
+            </a:r>
             <a:r>
               <a:rPr lang="en-US" sz="1800" dirty="0">
                 <a:latin typeface="Arial" pitchFamily="34"/>
                 <a:cs typeface="Arial" pitchFamily="34"/>
               </a:rPr>
-              <a:t>- n : Column name</a:t>
-            </a:r>
-          </a:p>
-          <a:p>
+              <a:t>M </a:t>
+            </a:r>
             <a:r>
               <a:rPr lang="en-US" sz="1800" dirty="0">
                 <a:latin typeface="Arial" pitchFamily="34"/>
                 <a:cs typeface="Arial" pitchFamily="34"/>
               </a:rPr>
-              <a:t>- N : Valor “no data”</a:t>
-            </a:r>
-          </a:p>
-          <a:p>
-            <a:r>
-              <a:rPr lang="en-US" sz="1800" dirty="0">
-                <a:latin typeface="Arial" pitchFamily="34"/>
-                <a:cs typeface="Arial" pitchFamily="34"/>
-              </a:rPr>
-              <a:t>- I : </a:t>
-            </a:r>
-            <a:r>
-              <a:rPr lang="en-US" sz="1800" dirty="0" err="1">
-                <a:latin typeface="Arial" pitchFamily="34"/>
-                <a:cs typeface="Arial" pitchFamily="34"/>
-              </a:rPr>
-              <a:t>Cria</a:t>
-            </a:r>
-            <a:r>
-              <a:rPr lang="en-US" sz="1800" dirty="0">
-                <a:latin typeface="Arial" pitchFamily="34"/>
-                <a:cs typeface="Arial" pitchFamily="34"/>
-              </a:rPr>
-              <a:t> gist spatial index</a:t>
-            </a:r>
-          </a:p>
-          <a:p>
-            <a:r>
-              <a:rPr lang="en-US" sz="1800" dirty="0">
-                <a:latin typeface="Arial" pitchFamily="34"/>
-                <a:cs typeface="Arial" pitchFamily="34"/>
-              </a:rPr>
-              <a:t>- C : </a:t>
-            </a:r>
-            <a:r>
-              <a:rPr lang="en-US" sz="1800" dirty="0" err="1">
-                <a:latin typeface="Arial" pitchFamily="34"/>
-                <a:cs typeface="Arial" pitchFamily="34"/>
-              </a:rPr>
-              <a:t>Adiciona</a:t>
-            </a:r>
-            <a:r>
-              <a:rPr lang="en-US" sz="1800" dirty="0">
-                <a:latin typeface="Arial" pitchFamily="34"/>
-                <a:cs typeface="Arial" pitchFamily="34"/>
-              </a:rPr>
-              <a:t> as “constrains” para a </a:t>
-            </a:r>
-            <a:r>
-              <a:rPr lang="en-US" sz="1800" dirty="0" err="1">
-                <a:latin typeface="Arial" pitchFamily="34"/>
-                <a:cs typeface="Arial" pitchFamily="34"/>
-              </a:rPr>
-              <a:t>coluna</a:t>
-            </a:r>
-            <a:r>
-              <a:rPr lang="en-US" sz="1800" dirty="0">
-                <a:latin typeface="Arial" pitchFamily="34"/>
-                <a:cs typeface="Arial" pitchFamily="34"/>
-              </a:rPr>
-              <a:t> raster. </a:t>
-            </a:r>
-            <a:r>
-              <a:rPr lang="en-US" sz="1800" dirty="0" err="1">
-                <a:latin typeface="Arial" pitchFamily="34"/>
-                <a:cs typeface="Arial" pitchFamily="34"/>
-              </a:rPr>
-              <a:t>Algumas</a:t>
-            </a:r>
-            <a:r>
-              <a:rPr lang="en-US" sz="1800" dirty="0">
-                <a:latin typeface="Arial" pitchFamily="34"/>
-                <a:cs typeface="Arial" pitchFamily="34"/>
-              </a:rPr>
-              <a:t> </a:t>
-            </a:r>
-            <a:r>
-              <a:rPr lang="en-US" sz="1800" dirty="0" err="1">
-                <a:latin typeface="Arial" pitchFamily="34"/>
-                <a:cs typeface="Arial" pitchFamily="34"/>
-              </a:rPr>
-              <a:t>podem</a:t>
-            </a:r>
-            <a:r>
-              <a:rPr lang="en-US" sz="1800" dirty="0">
-                <a:latin typeface="Arial" pitchFamily="34"/>
-                <a:cs typeface="Arial" pitchFamily="34"/>
-              </a:rPr>
-              <a:t> </a:t>
-            </a:r>
-            <a:r>
-              <a:rPr lang="en-US" sz="1800" dirty="0" err="1">
-                <a:latin typeface="Arial" pitchFamily="34"/>
-                <a:cs typeface="Arial" pitchFamily="34"/>
-              </a:rPr>
-              <a:t>dar</a:t>
-            </a:r>
-            <a:r>
-              <a:rPr lang="en-US" sz="1800" dirty="0">
-                <a:latin typeface="Arial" pitchFamily="34"/>
-                <a:cs typeface="Arial" pitchFamily="34"/>
-              </a:rPr>
-              <a:t> </a:t>
-            </a:r>
-            <a:r>
-              <a:rPr lang="en-US" sz="1800" dirty="0" err="1">
-                <a:latin typeface="Arial" pitchFamily="34"/>
-                <a:cs typeface="Arial" pitchFamily="34"/>
-              </a:rPr>
-              <a:t>erro</a:t>
-            </a:r>
-            <a:r>
-              <a:rPr lang="en-US" sz="1800" dirty="0">
-                <a:latin typeface="Arial" pitchFamily="34"/>
-                <a:cs typeface="Arial" pitchFamily="34"/>
-              </a:rPr>
-              <a:t> </a:t>
-            </a:r>
-            <a:r>
-              <a:rPr lang="en-US" sz="1800" dirty="0" err="1">
-                <a:latin typeface="Arial" pitchFamily="34"/>
-                <a:cs typeface="Arial" pitchFamily="34"/>
-              </a:rPr>
-              <a:t>caso</a:t>
-            </a:r>
-            <a:r>
-              <a:rPr lang="en-US" sz="1800" dirty="0">
-                <a:latin typeface="Arial" pitchFamily="34"/>
-                <a:cs typeface="Arial" pitchFamily="34"/>
-              </a:rPr>
-              <a:t> o raster </a:t>
-            </a:r>
-            <a:r>
-              <a:rPr lang="en-US" sz="1800" dirty="0" err="1">
-                <a:latin typeface="Arial" pitchFamily="34"/>
-                <a:cs typeface="Arial" pitchFamily="34"/>
-              </a:rPr>
-              <a:t>viole</a:t>
-            </a:r>
-            <a:r>
-              <a:rPr lang="en-US" sz="1800" dirty="0">
-                <a:latin typeface="Arial" pitchFamily="34"/>
-                <a:cs typeface="Arial" pitchFamily="34"/>
-              </a:rPr>
-              <a:t> </a:t>
-            </a:r>
-            <a:r>
-              <a:rPr lang="en-US" sz="1800" dirty="0" err="1">
-                <a:latin typeface="Arial" pitchFamily="34"/>
-                <a:cs typeface="Arial" pitchFamily="34"/>
-              </a:rPr>
-              <a:t>alguma</a:t>
-            </a:r>
-            <a:r>
-              <a:rPr lang="en-US" sz="1800" dirty="0">
-                <a:latin typeface="Arial" pitchFamily="34"/>
-                <a:cs typeface="Arial" pitchFamily="34"/>
-              </a:rPr>
-              <a:t> “constrain”</a:t>
-            </a:r>
-          </a:p>
-          <a:p>
-            <a:r>
-              <a:rPr lang="en-US" sz="1800" dirty="0">
-                <a:latin typeface="Arial" pitchFamily="34"/>
-                <a:cs typeface="Arial" pitchFamily="34"/>
-              </a:rPr>
-              <a:t>- M : </a:t>
-            </a:r>
-            <a:r>
-              <a:rPr lang="en-US" sz="1800" dirty="0" err="1">
-                <a:latin typeface="Arial" pitchFamily="34"/>
-                <a:cs typeface="Arial" pitchFamily="34"/>
-              </a:rPr>
-              <a:t>Analise</a:t>
-            </a:r>
-            <a:r>
-              <a:rPr lang="en-US" sz="1800" dirty="0">
-                <a:latin typeface="Arial" pitchFamily="34"/>
-                <a:cs typeface="Arial" pitchFamily="34"/>
-              </a:rPr>
-              <a:t> “vacuum” </a:t>
-            </a:r>
-            <a:r>
-              <a:rPr lang="en-US" sz="1800" dirty="0" err="1">
-                <a:latin typeface="Arial" pitchFamily="34"/>
-                <a:cs typeface="Arial" pitchFamily="34"/>
-              </a:rPr>
-              <a:t>na</a:t>
-            </a:r>
-            <a:r>
-              <a:rPr lang="en-US" sz="1800" dirty="0">
-                <a:latin typeface="Arial" pitchFamily="34"/>
-                <a:cs typeface="Arial" pitchFamily="34"/>
-              </a:rPr>
-              <a:t> </a:t>
-            </a:r>
-            <a:r>
-              <a:rPr lang="en-US" sz="1800" dirty="0" err="1">
-                <a:latin typeface="Arial" pitchFamily="34"/>
-                <a:cs typeface="Arial" pitchFamily="34"/>
-              </a:rPr>
-              <a:t>tabela</a:t>
-            </a:r>
-            <a:r>
-              <a:rPr lang="en-US" sz="1800" dirty="0">
-                <a:latin typeface="Arial" pitchFamily="34"/>
-                <a:cs typeface="Arial" pitchFamily="34"/>
-              </a:rPr>
-              <a:t> raster.</a:t>
-            </a:r>
+              <a:t>: Vacuum analyze the raster table.</a:t>
+            </a:r>
+            <a:endParaRPr lang="en-US" sz="1800" dirty="0">
+              <a:latin typeface="Arial" pitchFamily="34"/>
+              <a:cs typeface="Arial" pitchFamily="34"/>
+            </a:endParaRPr>
           </a:p>
         </p:txBody>
       </p:sp>
@@ -6402,6 +7124,71 @@
           </a:ln>
         </p:spPr>
       </p:pic>
+      <p:sp>
+        <p:nvSpPr>
+          <p:cNvPr id="6" name="Title 1"/>
+          <p:cNvSpPr txBox="1">
+            <a:spLocks/>
+          </p:cNvSpPr>
+          <p:nvPr/>
+        </p:nvSpPr>
+        <p:spPr>
+          <a:xfrm>
+            <a:off x="282831" y="60771"/>
+            <a:ext cx="7064828" cy="945017"/>
+          </a:xfrm>
+          <a:prstGeom prst="rect">
+            <a:avLst/>
+          </a:prstGeom>
+        </p:spPr>
+        <p:txBody>
+          <a:bodyPr vert="horz" lIns="91440" tIns="45720" rIns="91440" bIns="45720" rtlCol="0" anchor="b">
+            <a:normAutofit/>
+          </a:bodyPr>
+          <a:lstStyle>
+            <a:lvl1pPr algn="l" defTabSz="1007943" rtl="0" eaLnBrk="1" latinLnBrk="0" hangingPunct="1">
+              <a:lnSpc>
+                <a:spcPct val="85000"/>
+              </a:lnSpc>
+              <a:spcBef>
+                <a:spcPct val="0"/>
+              </a:spcBef>
+              <a:buNone/>
+              <a:defRPr sz="5291" kern="1200" spc="-55" baseline="0">
+                <a:solidFill>
+                  <a:schemeClr val="tx1">
+                    <a:lumMod val="75000"/>
+                    <a:lumOff val="25000"/>
+                  </a:schemeClr>
+                </a:solidFill>
+                <a:latin typeface="+mj-lt"/>
+                <a:ea typeface="+mj-ea"/>
+                <a:cs typeface="+mj-cs"/>
+              </a:defRPr>
+            </a:lvl1pPr>
+          </a:lstStyle>
+          <a:p>
+            <a:r>
+              <a:rPr lang="en-US" sz="4800" dirty="0" smtClean="0">
+                <a:latin typeface="Arial" pitchFamily="34"/>
+                <a:cs typeface="Arial" pitchFamily="34"/>
+              </a:rPr>
+              <a:t>Importing </a:t>
+            </a:r>
+            <a:r>
+              <a:rPr lang="en-US" sz="4800" dirty="0" err="1" smtClean="0">
+                <a:latin typeface="Arial" pitchFamily="34"/>
+                <a:cs typeface="Arial" pitchFamily="34"/>
+              </a:rPr>
+              <a:t>rasters</a:t>
+            </a:r>
+            <a:endParaRPr lang="en-US" sz="4800" dirty="0">
+              <a:latin typeface="Arial" pitchFamily="34"/>
+              <a:cs typeface="Arial" pitchFamily="34"/>
+            </a:endParaRPr>
+          </a:p>
+        </p:txBody>
+      </p:sp>
     </p:spTree>
     <p:extLst>
       <p:ext uri="{BB962C8B-B14F-4D97-AF65-F5344CB8AC3E}">
@@ -6430,7 +7217,7 @@
 </p:sld>
 </file>
 
-<file path=ppt/slides/slide4.xml><?xml version="1.0" encoding="utf-8"?>
+<file path=ppt/slides/slide5.xml><?xml version="1.0" encoding="utf-8"?>
 <p:sld xmlns:a="http://schemas.openxmlformats.org/drawingml/2006/main" xmlns:r="http://schemas.openxmlformats.org/officeDocument/2006/relationships" xmlns:p="http://schemas.openxmlformats.org/presentationml/2006/main">
   <p:cSld name="Slide3">
     <p:spTree>
@@ -6459,21 +7246,30 @@
         </p:nvSpPr>
         <p:spPr>
           <a:xfrm>
-            <a:off x="342662" y="352897"/>
-            <a:ext cx="4605051" cy="1262063"/>
+            <a:off x="798022" y="1876897"/>
+            <a:ext cx="8152014" cy="1262063"/>
           </a:xfrm>
         </p:spPr>
         <p:txBody>
-          <a:bodyPr/>
+          <a:bodyPr>
+            <a:normAutofit fontScale="90000"/>
+          </a:bodyPr>
           <a:lstStyle/>
           <a:p>
-            <a:pPr lvl="0"/>
+            <a:pPr lvl="0" algn="ctr"/>
             <a:r>
               <a:rPr lang="en-US" dirty="0" smtClean="0">
                 <a:latin typeface="Arial" pitchFamily="34"/>
                 <a:cs typeface="Arial" pitchFamily="34"/>
               </a:rPr>
-              <a:t>The workshop</a:t>
+              <a:t>The </a:t>
+            </a:r>
+            <a:r>
+              <a:rPr lang="en-US" dirty="0" smtClean="0">
+                <a:latin typeface="Arial" pitchFamily="34"/>
+                <a:cs typeface="Arial" pitchFamily="34"/>
+              </a:rPr>
+              <a:t>workshop is available at</a:t>
             </a:r>
             <a:endParaRPr lang="en-US" dirty="0">
               <a:latin typeface="Arial" pitchFamily="34"/>
@@ -6494,8 +7290,8 @@
         </p:nvSpPr>
         <p:spPr>
           <a:xfrm>
-            <a:off x="342662" y="3666746"/>
-            <a:ext cx="9517434" cy="839153"/>
+            <a:off x="342662" y="3666747"/>
+            <a:ext cx="9517434" cy="733458"/>
           </a:xfrm>
         </p:spPr>
         <p:txBody>
@@ -6508,9 +7304,24 @@
               <a:rPr lang="en-US" sz="3200" dirty="0">
                 <a:latin typeface="Arial" pitchFamily="34"/>
                 <a:cs typeface="Arial" pitchFamily="34"/>
-              </a:rPr>
-              <a:t>https://github.com/lcalisto/workshop-postgis-raster</a:t>
-            </a:r>
+                <a:hlinkClick r:id="rId3"/>
+              </a:rPr>
+              <a:t>https://</a:t>
+            </a:r>
+            <a:r>
+              <a:rPr lang="en-US" sz="3200" dirty="0" smtClean="0">
+                <a:latin typeface="Arial" pitchFamily="34"/>
+                <a:cs typeface="Arial" pitchFamily="34"/>
+                <a:hlinkClick r:id="rId3"/>
+              </a:rPr>
+              <a:t>github.com/lcalisto/workshop-postgis-raster</a:t>
+            </a:r>
+            <a:endParaRPr lang="en-US" sz="3200" dirty="0" smtClean="0">
+              <a:latin typeface="Arial" pitchFamily="34"/>
+              <a:cs typeface="Arial" pitchFamily="34"/>
+            </a:endParaRPr>
+          </a:p>
+          <a:p>
             <a:endParaRPr lang="en-US" sz="3200" dirty="0">
               <a:latin typeface="Arial" pitchFamily="34"/>
               <a:cs typeface="Arial" pitchFamily="34"/>
@@ -6533,7 +7344,7 @@
           <p:nvPr/>
         </p:nvPicPr>
         <p:blipFill>
-          <a:blip r:embed="rId3">
+          <a:blip r:embed="rId4">
             <a:lum/>
             <a:alphaModFix/>
           </a:blip>

--- a/presentation.pptx
+++ b/presentation.pptx
@@ -6822,7 +6822,14 @@
                 <a:latin typeface="Arial" pitchFamily="34"/>
                 <a:cs typeface="Arial" pitchFamily="34"/>
               </a:rPr>
-              <a:t>-d </a:t>
+              <a:t>-</a:t>
+            </a:r>
+            <a:r>
+              <a:rPr lang="en-US" sz="1800" dirty="0" smtClean="0">
+                <a:latin typeface="Arial" pitchFamily="34"/>
+                <a:cs typeface="Arial" pitchFamily="34"/>
+              </a:rPr>
+              <a:t>d </a:t>
             </a:r>
             <a:r>
               <a:rPr lang="en-US" sz="1800" dirty="0">
@@ -6856,72 +6863,58 @@
                 <a:latin typeface="Arial" pitchFamily="34"/>
                 <a:cs typeface="Arial" pitchFamily="34"/>
               </a:rPr>
-              <a:t>- R : </a:t>
+              <a:t>- R : Register raster outside BD (</a:t>
+            </a:r>
+            <a:r>
+              <a:rPr lang="en-US" sz="1800" dirty="0" err="1" smtClean="0">
+                <a:latin typeface="Arial" pitchFamily="34"/>
+                <a:cs typeface="Arial" pitchFamily="34"/>
+              </a:rPr>
+              <a:t>filesystem</a:t>
             </a:r>
             <a:r>
               <a:rPr lang="en-US" sz="1800" dirty="0" smtClean="0">
                 <a:latin typeface="Arial" pitchFamily="34"/>
                 <a:cs typeface="Arial" pitchFamily="34"/>
               </a:rPr>
-              <a:t>Register </a:t>
-            </a:r>
+              <a:t>)</a:t>
+            </a:r>
+          </a:p>
+          <a:p>
             <a:r>
               <a:rPr lang="en-US" sz="1800" dirty="0" smtClean="0">
                 <a:latin typeface="Arial" pitchFamily="34"/>
                 <a:cs typeface="Arial" pitchFamily="34"/>
               </a:rPr>
-              <a:t>raster outside </a:t>
+              <a:t>- </a:t>
+            </a:r>
+            <a:r>
+              <a:rPr lang="en-US" sz="1800" dirty="0">
+                <a:latin typeface="Arial" pitchFamily="34"/>
+                <a:cs typeface="Arial" pitchFamily="34"/>
+              </a:rPr>
+              <a:t>N : </a:t>
             </a:r>
             <a:r>
               <a:rPr lang="en-US" sz="1800" dirty="0" smtClean="0">
                 <a:latin typeface="Arial" pitchFamily="34"/>
                 <a:cs typeface="Arial" pitchFamily="34"/>
               </a:rPr>
-              <a:t>BD </a:t>
+              <a:t>“</a:t>
+            </a:r>
+            <a:r>
+              <a:rPr lang="en-US" sz="1800" dirty="0">
+                <a:latin typeface="Arial" pitchFamily="34"/>
+                <a:cs typeface="Arial" pitchFamily="34"/>
+              </a:rPr>
+              <a:t>no data</a:t>
             </a:r>
             <a:r>
               <a:rPr lang="en-US" sz="1800" dirty="0" smtClean="0">
                 <a:latin typeface="Arial" pitchFamily="34"/>
                 <a:cs typeface="Arial" pitchFamily="34"/>
               </a:rPr>
-              <a:t>(</a:t>
-            </a:r>
-            <a:r>
-              <a:rPr lang="en-US" sz="1800" dirty="0" err="1" smtClean="0">
-                <a:latin typeface="Arial" pitchFamily="34"/>
-                <a:cs typeface="Arial" pitchFamily="34"/>
-              </a:rPr>
-              <a:t>filesystem</a:t>
-            </a:r>
-            <a:r>
-              <a:rPr lang="en-US" sz="1800" dirty="0" smtClean="0">
-                <a:latin typeface="Arial" pitchFamily="34"/>
-                <a:cs typeface="Arial" pitchFamily="34"/>
-              </a:rPr>
-              <a:t>)</a:t>
-            </a:r>
-          </a:p>
-          <a:p>
-            <a:r>
-              <a:rPr lang="en-US" sz="1800" dirty="0" smtClean="0">
-                <a:latin typeface="Arial" pitchFamily="34"/>
-                <a:cs typeface="Arial" pitchFamily="34"/>
-              </a:rPr>
-              <a:t>- </a:t>
-            </a:r>
-            <a:r>
-              <a:rPr lang="en-US" sz="1800" dirty="0">
-                <a:latin typeface="Arial" pitchFamily="34"/>
-                <a:cs typeface="Arial" pitchFamily="34"/>
-              </a:rPr>
-              <a:t>F : </a:t>
-            </a:r>
-            <a:r>
-              <a:rPr lang="en-US" sz="1800" dirty="0" smtClean="0">
-                <a:latin typeface="Arial" pitchFamily="34"/>
-                <a:cs typeface="Arial" pitchFamily="34"/>
-              </a:rPr>
-              <a:t>Adds a column with name of the raster</a:t>
+              <a:t>” value</a:t>
             </a:r>
             <a:endParaRPr lang="en-US" sz="1800" dirty="0">
               <a:latin typeface="Arial" pitchFamily="34"/>
@@ -6930,10 +6923,91 @@
           </a:p>
           <a:p>
             <a:r>
+              <a:rPr lang="en-US" sz="1800" dirty="0">
+                <a:latin typeface="Arial" pitchFamily="34"/>
+                <a:cs typeface="Arial" pitchFamily="34"/>
+              </a:rPr>
+              <a:t>- I : </a:t>
+            </a:r>
+            <a:r>
               <a:rPr lang="en-US" sz="1800" dirty="0" smtClean="0">
                 <a:latin typeface="Arial" pitchFamily="34"/>
                 <a:cs typeface="Arial" pitchFamily="34"/>
               </a:rPr>
+              <a:t>Adds </a:t>
+            </a:r>
+            <a:r>
+              <a:rPr lang="en-US" sz="1800" dirty="0">
+                <a:latin typeface="Arial" pitchFamily="34"/>
+                <a:cs typeface="Arial" pitchFamily="34"/>
+              </a:rPr>
+              <a:t>gist spatial index</a:t>
+            </a:r>
+          </a:p>
+          <a:p>
+            <a:r>
+              <a:rPr lang="en-US" sz="1800" dirty="0">
+                <a:latin typeface="Arial" pitchFamily="34"/>
+                <a:cs typeface="Arial" pitchFamily="34"/>
+              </a:rPr>
+              <a:t>- C : Apply raster constraints -- </a:t>
+            </a:r>
+            <a:r>
+              <a:rPr lang="en-US" sz="1800" dirty="0" err="1">
+                <a:latin typeface="Arial" pitchFamily="34"/>
+                <a:cs typeface="Arial" pitchFamily="34"/>
+              </a:rPr>
+              <a:t>srid</a:t>
+            </a:r>
+            <a:r>
+              <a:rPr lang="en-US" sz="1800" dirty="0">
+                <a:latin typeface="Arial" pitchFamily="34"/>
+                <a:cs typeface="Arial" pitchFamily="34"/>
+              </a:rPr>
+              <a:t>, </a:t>
+            </a:r>
+            <a:r>
+              <a:rPr lang="en-US" sz="1800" dirty="0" err="1">
+                <a:latin typeface="Arial" pitchFamily="34"/>
+                <a:cs typeface="Arial" pitchFamily="34"/>
+              </a:rPr>
+              <a:t>pixelsize</a:t>
+            </a:r>
+            <a:r>
+              <a:rPr lang="en-US" sz="1800" dirty="0">
+                <a:latin typeface="Arial" pitchFamily="34"/>
+                <a:cs typeface="Arial" pitchFamily="34"/>
+              </a:rPr>
+              <a:t> etc. to ensure raster is properly registered in </a:t>
+            </a:r>
+            <a:r>
+              <a:rPr lang="en-US" sz="1800" dirty="0" err="1">
+                <a:latin typeface="Arial" pitchFamily="34"/>
+                <a:cs typeface="Arial" pitchFamily="34"/>
+              </a:rPr>
+              <a:t>raster_columns</a:t>
+            </a:r>
+            <a:r>
+              <a:rPr lang="en-US" sz="1800" dirty="0">
+                <a:latin typeface="Arial" pitchFamily="34"/>
+                <a:cs typeface="Arial" pitchFamily="34"/>
+              </a:rPr>
+              <a:t> view</a:t>
+            </a:r>
+            <a:r>
+              <a:rPr lang="en-US" sz="1800" dirty="0" smtClean="0">
+                <a:latin typeface="Arial" pitchFamily="34"/>
+                <a:cs typeface="Arial" pitchFamily="34"/>
+              </a:rPr>
+              <a:t>.</a:t>
+            </a:r>
+          </a:p>
+          <a:p>
+            <a:r>
+              <a:rPr lang="en-US" sz="1800" dirty="0" smtClean="0">
+                <a:latin typeface="Arial" pitchFamily="34"/>
+                <a:cs typeface="Arial" pitchFamily="34"/>
+              </a:rPr>
               <a:t>- </a:t>
             </a:r>
             <a:r>
@@ -6941,148 +7015,8 @@
                 <a:latin typeface="Arial" pitchFamily="34"/>
                 <a:cs typeface="Arial" pitchFamily="34"/>
               </a:rPr>
-              <a:t>N : </a:t>
-            </a:r>
-            <a:r>
-              <a:rPr lang="en-US" sz="1800" dirty="0" smtClean="0">
-                <a:latin typeface="Arial" pitchFamily="34"/>
-                <a:cs typeface="Arial" pitchFamily="34"/>
-              </a:rPr>
-              <a:t>“</a:t>
-            </a:r>
-            <a:r>
-              <a:rPr lang="en-US" sz="1800" dirty="0">
-                <a:latin typeface="Arial" pitchFamily="34"/>
-                <a:cs typeface="Arial" pitchFamily="34"/>
-              </a:rPr>
-              <a:t>no data</a:t>
-            </a:r>
-            <a:r>
-              <a:rPr lang="en-US" sz="1800" dirty="0" smtClean="0">
-                <a:latin typeface="Arial" pitchFamily="34"/>
-                <a:cs typeface="Arial" pitchFamily="34"/>
-              </a:rPr>
-              <a:t>” value</a:t>
-            </a:r>
-            <a:endParaRPr lang="en-US" sz="1800" dirty="0">
-              <a:latin typeface="Arial" pitchFamily="34"/>
-              <a:cs typeface="Arial" pitchFamily="34"/>
-            </a:endParaRPr>
-          </a:p>
-          <a:p>
-            <a:r>
-              <a:rPr lang="en-US" sz="1800" dirty="0">
-                <a:latin typeface="Arial" pitchFamily="34"/>
-                <a:cs typeface="Arial" pitchFamily="34"/>
-              </a:rPr>
-              <a:t>- I : </a:t>
-            </a:r>
-            <a:r>
-              <a:rPr lang="en-US" sz="1800" dirty="0" smtClean="0">
-                <a:latin typeface="Arial" pitchFamily="34"/>
-                <a:cs typeface="Arial" pitchFamily="34"/>
-              </a:rPr>
-              <a:t>Adds </a:t>
-            </a:r>
-            <a:r>
-              <a:rPr lang="en-US" sz="1800" dirty="0">
-                <a:latin typeface="Arial" pitchFamily="34"/>
-                <a:cs typeface="Arial" pitchFamily="34"/>
-              </a:rPr>
-              <a:t>gist spatial index</a:t>
-            </a:r>
-          </a:p>
-          <a:p>
-            <a:r>
-              <a:rPr lang="en-US" sz="1800" dirty="0">
-                <a:latin typeface="Arial" pitchFamily="34"/>
-                <a:cs typeface="Arial" pitchFamily="34"/>
-              </a:rPr>
-              <a:t>- C </a:t>
-            </a:r>
-            <a:r>
-              <a:rPr lang="en-US" sz="1800" dirty="0">
-                <a:latin typeface="Arial" pitchFamily="34"/>
-                <a:cs typeface="Arial" pitchFamily="34"/>
-              </a:rPr>
-              <a:t>: Apply raster constraints -- </a:t>
-            </a:r>
-            <a:r>
-              <a:rPr lang="en-US" sz="1800" dirty="0" err="1">
-                <a:latin typeface="Arial" pitchFamily="34"/>
-                <a:cs typeface="Arial" pitchFamily="34"/>
-              </a:rPr>
-              <a:t>srid</a:t>
-            </a:r>
-            <a:r>
-              <a:rPr lang="en-US" sz="1800" dirty="0">
-                <a:latin typeface="Arial" pitchFamily="34"/>
-                <a:cs typeface="Arial" pitchFamily="34"/>
-              </a:rPr>
-              <a:t>, </a:t>
-            </a:r>
-            <a:r>
-              <a:rPr lang="en-US" sz="1800" dirty="0" err="1">
-                <a:latin typeface="Arial" pitchFamily="34"/>
-                <a:cs typeface="Arial" pitchFamily="34"/>
-              </a:rPr>
-              <a:t>pixelsize</a:t>
-            </a:r>
-            <a:r>
-              <a:rPr lang="en-US" sz="1800" dirty="0">
-                <a:latin typeface="Arial" pitchFamily="34"/>
-                <a:cs typeface="Arial" pitchFamily="34"/>
-              </a:rPr>
-              <a:t> etc. to ensure raster is properly registered in </a:t>
-            </a:r>
-            <a:r>
-              <a:rPr lang="en-US" sz="1800" dirty="0" err="1">
-                <a:latin typeface="Arial" pitchFamily="34"/>
-                <a:cs typeface="Arial" pitchFamily="34"/>
-              </a:rPr>
-              <a:t>raster_columns</a:t>
-            </a:r>
-            <a:r>
-              <a:rPr lang="en-US" sz="1800" dirty="0">
-                <a:latin typeface="Arial" pitchFamily="34"/>
-                <a:cs typeface="Arial" pitchFamily="34"/>
-              </a:rPr>
-              <a:t> view</a:t>
-            </a:r>
-            <a:r>
-              <a:rPr lang="en-US" sz="1800" dirty="0" smtClean="0">
-                <a:latin typeface="Arial" pitchFamily="34"/>
-                <a:cs typeface="Arial" pitchFamily="34"/>
-              </a:rPr>
-              <a:t>.</a:t>
-            </a:r>
-          </a:p>
-          <a:p>
-            <a:r>
-              <a:rPr lang="en-US" sz="1800" dirty="0" smtClean="0">
-                <a:latin typeface="Arial" pitchFamily="34"/>
-                <a:cs typeface="Arial" pitchFamily="34"/>
-              </a:rPr>
-              <a:t>- </a:t>
-            </a:r>
-            <a:r>
-              <a:rPr lang="en-US" sz="1800" dirty="0">
-                <a:latin typeface="Arial" pitchFamily="34"/>
-                <a:cs typeface="Arial" pitchFamily="34"/>
-              </a:rPr>
-              <a:t>M </a:t>
-            </a:r>
-            <a:r>
-              <a:rPr lang="en-US" sz="1800" dirty="0">
-                <a:latin typeface="Arial" pitchFamily="34"/>
-                <a:cs typeface="Arial" pitchFamily="34"/>
-              </a:rPr>
-              <a:t>: Vacuum analyze the raster table.</a:t>
-            </a:r>
-            <a:endParaRPr lang="en-US" sz="1800" dirty="0">
-              <a:latin typeface="Arial" pitchFamily="34"/>
-              <a:cs typeface="Arial" pitchFamily="34"/>
-            </a:endParaRPr>
+              <a:t>M : Vacuum analyze the raster table.</a:t>
+            </a:r>
           </a:p>
         </p:txBody>
       </p:sp>
@@ -7262,14 +7196,7 @@
                 <a:latin typeface="Arial" pitchFamily="34"/>
                 <a:cs typeface="Arial" pitchFamily="34"/>
               </a:rPr>
-              <a:t>The </a:t>
-            </a:r>
-            <a:r>
-              <a:rPr lang="en-US" dirty="0" smtClean="0">
-                <a:latin typeface="Arial" pitchFamily="34"/>
-                <a:cs typeface="Arial" pitchFamily="34"/>
-              </a:rPr>
-              <a:t>workshop is available at</a:t>
+              <a:t>The workshop is available at</a:t>
             </a:r>
             <a:endParaRPr lang="en-US" dirty="0">
               <a:latin typeface="Arial" pitchFamily="34"/>
